--- a/LTU billboard.pptx
+++ b/LTU billboard.pptx
@@ -112,6 +112,11 @@
       </a:defRPr>
     </a:lvl9pPr>
   </p:defaultTextStyle>
+  <p:extLst>
+    <p:ext uri="{EFAFB233-063F-42B5-8137-9DF3F51BA10A}">
+      <p15:sldGuideLst xmlns:p15="http://schemas.microsoft.com/office/powerpoint/2012/main"/>
+    </p:ext>
+  </p:extLst>
 </p:presentation>
 </file>
 
@@ -165,7 +170,7 @@
           <a:noFill/>
           <a:extLst>
             <a:ext uri="{909E8E84-426E-40dd-AFC4-6F175D3DCCD1}">
-              <a14:hiddenFill xmlns:a14="http://schemas.microsoft.com/office/drawing/2010/main" xmlns="">
+              <a14:hiddenFill xmlns="" xmlns:a14="http://schemas.microsoft.com/office/drawing/2010/main">
                 <a:solidFill>
                   <a:srgbClr val="FFFFFF"/>
                 </a:solidFill>
@@ -225,7 +230,7 @@
             </a:ln>
             <a:extLst>
               <a:ext uri="{91240B29-F687-4f45-9708-019B960494DF}">
-                <a14:hiddenLine xmlns:a14="http://schemas.microsoft.com/office/drawing/2010/main" xmlns="" w="9525">
+                <a14:hiddenLine xmlns="" xmlns:a14="http://schemas.microsoft.com/office/drawing/2010/main" w="9525">
                   <a:solidFill>
                     <a:srgbClr val="000000"/>
                   </a:solidFill>
@@ -315,7 +320,7 @@
             </a:ln>
             <a:extLst>
               <a:ext uri="{91240B29-F687-4f45-9708-019B960494DF}">
-                <a14:hiddenLine xmlns:a14="http://schemas.microsoft.com/office/drawing/2010/main" xmlns="" w="9525">
+                <a14:hiddenLine xmlns="" xmlns:a14="http://schemas.microsoft.com/office/drawing/2010/main" w="9525">
                   <a:solidFill>
                     <a:srgbClr val="000000"/>
                   </a:solidFill>
@@ -405,7 +410,7 @@
             </a:ln>
             <a:extLst>
               <a:ext uri="{91240B29-F687-4f45-9708-019B960494DF}">
-                <a14:hiddenLine xmlns:a14="http://schemas.microsoft.com/office/drawing/2010/main" xmlns="" w="9525">
+                <a14:hiddenLine xmlns="" xmlns:a14="http://schemas.microsoft.com/office/drawing/2010/main" w="9525">
                   <a:solidFill>
                     <a:srgbClr val="000000"/>
                   </a:solidFill>
@@ -439,7 +444,7 @@
             </a:ln>
             <a:extLst>
               <a:ext uri="{91240B29-F687-4f45-9708-019B960494DF}">
-                <a14:hiddenLine xmlns:a14="http://schemas.microsoft.com/office/drawing/2010/main" xmlns="" w="9525">
+                <a14:hiddenLine xmlns="" xmlns:a14="http://schemas.microsoft.com/office/drawing/2010/main" w="9525">
                   <a:solidFill>
                     <a:srgbClr val="000000"/>
                   </a:solidFill>
@@ -529,7 +534,7 @@
             </a:ln>
             <a:extLst>
               <a:ext uri="{91240B29-F687-4f45-9708-019B960494DF}">
-                <a14:hiddenLine xmlns:a14="http://schemas.microsoft.com/office/drawing/2010/main" xmlns="" w="9525">
+                <a14:hiddenLine xmlns="" xmlns:a14="http://schemas.microsoft.com/office/drawing/2010/main" w="9525">
                   <a:solidFill>
                     <a:srgbClr val="000000"/>
                   </a:solidFill>
@@ -591,7 +596,7 @@
             </a:ln>
             <a:extLst>
               <a:ext uri="{91240B29-F687-4f45-9708-019B960494DF}">
-                <a14:hiddenLine xmlns:a14="http://schemas.microsoft.com/office/drawing/2010/main" xmlns="" w="9525">
+                <a14:hiddenLine xmlns="" xmlns:a14="http://schemas.microsoft.com/office/drawing/2010/main" w="9525">
                   <a:solidFill>
                     <a:srgbClr val="000000"/>
                   </a:solidFill>
@@ -653,7 +658,7 @@
             </a:ln>
             <a:extLst>
               <a:ext uri="{91240B29-F687-4f45-9708-019B960494DF}">
-                <a14:hiddenLine xmlns:a14="http://schemas.microsoft.com/office/drawing/2010/main" xmlns="" w="9525">
+                <a14:hiddenLine xmlns="" xmlns:a14="http://schemas.microsoft.com/office/drawing/2010/main" w="9525">
                   <a:solidFill>
                     <a:srgbClr val="000000"/>
                   </a:solidFill>
@@ -743,7 +748,7 @@
             </a:ln>
             <a:extLst>
               <a:ext uri="{91240B29-F687-4f45-9708-019B960494DF}">
-                <a14:hiddenLine xmlns:a14="http://schemas.microsoft.com/office/drawing/2010/main" xmlns="" w="9525">
+                <a14:hiddenLine xmlns="" xmlns:a14="http://schemas.microsoft.com/office/drawing/2010/main" w="9525">
                   <a:solidFill>
                     <a:srgbClr val="000000"/>
                   </a:solidFill>
@@ -805,7 +810,7 @@
             </a:ln>
             <a:extLst>
               <a:ext uri="{91240B29-F687-4f45-9708-019B960494DF}">
-                <a14:hiddenLine xmlns:a14="http://schemas.microsoft.com/office/drawing/2010/main" xmlns="" w="9525">
+                <a14:hiddenLine xmlns="" xmlns:a14="http://schemas.microsoft.com/office/drawing/2010/main" w="9525">
                   <a:solidFill>
                     <a:srgbClr val="000000"/>
                   </a:solidFill>
@@ -867,7 +872,7 @@
             </a:ln>
             <a:extLst>
               <a:ext uri="{91240B29-F687-4f45-9708-019B960494DF}">
-                <a14:hiddenLine xmlns:a14="http://schemas.microsoft.com/office/drawing/2010/main" xmlns="" w="9525">
+                <a14:hiddenLine xmlns="" xmlns:a14="http://schemas.microsoft.com/office/drawing/2010/main" w="9525">
                   <a:solidFill>
                     <a:srgbClr val="000000"/>
                   </a:solidFill>
@@ -957,7 +962,7 @@
             </a:ln>
             <a:extLst>
               <a:ext uri="{91240B29-F687-4f45-9708-019B960494DF}">
-                <a14:hiddenLine xmlns:a14="http://schemas.microsoft.com/office/drawing/2010/main" xmlns="" w="9525">
+                <a14:hiddenLine xmlns="" xmlns:a14="http://schemas.microsoft.com/office/drawing/2010/main" w="9525">
                   <a:solidFill>
                     <a:srgbClr val="000000"/>
                   </a:solidFill>
@@ -1047,7 +1052,7 @@
             </a:ln>
             <a:extLst>
               <a:ext uri="{91240B29-F687-4f45-9708-019B960494DF}">
-                <a14:hiddenLine xmlns:a14="http://schemas.microsoft.com/office/drawing/2010/main" xmlns="" w="9525">
+                <a14:hiddenLine xmlns="" xmlns:a14="http://schemas.microsoft.com/office/drawing/2010/main" w="9525">
                   <a:solidFill>
                     <a:srgbClr val="000000"/>
                   </a:solidFill>
@@ -1109,7 +1114,7 @@
             </a:ln>
             <a:extLst>
               <a:ext uri="{91240B29-F687-4f45-9708-019B960494DF}">
-                <a14:hiddenLine xmlns:a14="http://schemas.microsoft.com/office/drawing/2010/main" xmlns="" w="9525">
+                <a14:hiddenLine xmlns="" xmlns:a14="http://schemas.microsoft.com/office/drawing/2010/main" w="9525">
                   <a:solidFill>
                     <a:srgbClr val="000000"/>
                   </a:solidFill>
@@ -1219,7 +1224,7 @@
             </a:ln>
             <a:extLst>
               <a:ext uri="{91240B29-F687-4f45-9708-019B960494DF}">
-                <a14:hiddenLine xmlns:a14="http://schemas.microsoft.com/office/drawing/2010/main" xmlns="" w="9525">
+                <a14:hiddenLine xmlns="" xmlns:a14="http://schemas.microsoft.com/office/drawing/2010/main" w="9525">
                   <a:solidFill>
                     <a:srgbClr val="000000"/>
                   </a:solidFill>
@@ -1281,7 +1286,7 @@
             </a:ln>
             <a:extLst>
               <a:ext uri="{91240B29-F687-4f45-9708-019B960494DF}">
-                <a14:hiddenLine xmlns:a14="http://schemas.microsoft.com/office/drawing/2010/main" xmlns="" w="9525">
+                <a14:hiddenLine xmlns="" xmlns:a14="http://schemas.microsoft.com/office/drawing/2010/main" w="9525">
                   <a:solidFill>
                     <a:srgbClr val="000000"/>
                   </a:solidFill>
@@ -1371,7 +1376,7 @@
             </a:ln>
             <a:extLst>
               <a:ext uri="{91240B29-F687-4f45-9708-019B960494DF}">
-                <a14:hiddenLine xmlns:a14="http://schemas.microsoft.com/office/drawing/2010/main" xmlns="" w="9525">
+                <a14:hiddenLine xmlns="" xmlns:a14="http://schemas.microsoft.com/office/drawing/2010/main" w="9525">
                   <a:solidFill>
                     <a:srgbClr val="000000"/>
                   </a:solidFill>
@@ -1461,7 +1466,7 @@
             </a:ln>
             <a:extLst>
               <a:ext uri="{91240B29-F687-4f45-9708-019B960494DF}">
-                <a14:hiddenLine xmlns:a14="http://schemas.microsoft.com/office/drawing/2010/main" xmlns="" w="9525">
+                <a14:hiddenLine xmlns="" xmlns:a14="http://schemas.microsoft.com/office/drawing/2010/main" w="9525">
                   <a:solidFill>
                     <a:srgbClr val="000000"/>
                   </a:solidFill>
@@ -1523,7 +1528,7 @@
             </a:ln>
             <a:extLst>
               <a:ext uri="{91240B29-F687-4f45-9708-019B960494DF}">
-                <a14:hiddenLine xmlns:a14="http://schemas.microsoft.com/office/drawing/2010/main" xmlns="" w="9525">
+                <a14:hiddenLine xmlns="" xmlns:a14="http://schemas.microsoft.com/office/drawing/2010/main" w="9525">
                   <a:solidFill>
                     <a:srgbClr val="000000"/>
                   </a:solidFill>
@@ -1613,7 +1618,7 @@
             </a:ln>
             <a:extLst>
               <a:ext uri="{91240B29-F687-4f45-9708-019B960494DF}">
-                <a14:hiddenLine xmlns:a14="http://schemas.microsoft.com/office/drawing/2010/main" xmlns="" w="9525">
+                <a14:hiddenLine xmlns="" xmlns:a14="http://schemas.microsoft.com/office/drawing/2010/main" w="9525">
                   <a:solidFill>
                     <a:srgbClr val="000000"/>
                   </a:solidFill>
@@ -1703,7 +1708,7 @@
             </a:ln>
             <a:extLst>
               <a:ext uri="{91240B29-F687-4f45-9708-019B960494DF}">
-                <a14:hiddenLine xmlns:a14="http://schemas.microsoft.com/office/drawing/2010/main" xmlns="" w="9525">
+                <a14:hiddenLine xmlns="" xmlns:a14="http://schemas.microsoft.com/office/drawing/2010/main" w="9525">
                   <a:solidFill>
                     <a:srgbClr val="000000"/>
                   </a:solidFill>
@@ -1759,7 +1764,7 @@
             </a:ln>
             <a:extLst>
               <a:ext uri="{91240B29-F687-4f45-9708-019B960494DF}">
-                <a14:hiddenLine xmlns:a14="http://schemas.microsoft.com/office/drawing/2010/main" xmlns="" w="9525">
+                <a14:hiddenLine xmlns="" xmlns:a14="http://schemas.microsoft.com/office/drawing/2010/main" w="9525">
                   <a:solidFill>
                     <a:srgbClr val="000000"/>
                   </a:solidFill>
@@ -1849,7 +1854,7 @@
             </a:ln>
             <a:extLst>
               <a:ext uri="{91240B29-F687-4f45-9708-019B960494DF}">
-                <a14:hiddenLine xmlns:a14="http://schemas.microsoft.com/office/drawing/2010/main" xmlns="" w="9525">
+                <a14:hiddenLine xmlns="" xmlns:a14="http://schemas.microsoft.com/office/drawing/2010/main" w="9525">
                   <a:solidFill>
                     <a:srgbClr val="000000"/>
                   </a:solidFill>
@@ -1905,7 +1910,7 @@
             </a:ln>
             <a:extLst>
               <a:ext uri="{91240B29-F687-4f45-9708-019B960494DF}">
-                <a14:hiddenLine xmlns:a14="http://schemas.microsoft.com/office/drawing/2010/main" xmlns="" w="9525">
+                <a14:hiddenLine xmlns="" xmlns:a14="http://schemas.microsoft.com/office/drawing/2010/main" w="9525">
                   <a:solidFill>
                     <a:srgbClr val="000000"/>
                   </a:solidFill>
@@ -1995,7 +2000,7 @@
             </a:ln>
             <a:extLst>
               <a:ext uri="{91240B29-F687-4f45-9708-019B960494DF}">
-                <a14:hiddenLine xmlns:a14="http://schemas.microsoft.com/office/drawing/2010/main" xmlns="" w="9525">
+                <a14:hiddenLine xmlns="" xmlns:a14="http://schemas.microsoft.com/office/drawing/2010/main" w="9525">
                   <a:solidFill>
                     <a:srgbClr val="000000"/>
                   </a:solidFill>
@@ -2063,7 +2068,7 @@
             </a:ln>
             <a:extLst>
               <a:ext uri="{91240B29-F687-4f45-9708-019B960494DF}">
-                <a14:hiddenLine xmlns:a14="http://schemas.microsoft.com/office/drawing/2010/main" xmlns="" w="9525">
+                <a14:hiddenLine xmlns="" xmlns:a14="http://schemas.microsoft.com/office/drawing/2010/main" w="9525">
                   <a:solidFill>
                     <a:srgbClr val="000000"/>
                   </a:solidFill>
@@ -2153,7 +2158,7 @@
             </a:ln>
             <a:extLst>
               <a:ext uri="{91240B29-F687-4f45-9708-019B960494DF}">
-                <a14:hiddenLine xmlns:a14="http://schemas.microsoft.com/office/drawing/2010/main" xmlns="" w="9525">
+                <a14:hiddenLine xmlns="" xmlns:a14="http://schemas.microsoft.com/office/drawing/2010/main" w="9525">
                   <a:solidFill>
                     <a:srgbClr val="000000"/>
                   </a:solidFill>
@@ -2221,7 +2226,7 @@
             </a:ln>
             <a:extLst>
               <a:ext uri="{91240B29-F687-4f45-9708-019B960494DF}">
-                <a14:hiddenLine xmlns:a14="http://schemas.microsoft.com/office/drawing/2010/main" xmlns="" w="9525">
+                <a14:hiddenLine xmlns="" xmlns:a14="http://schemas.microsoft.com/office/drawing/2010/main" w="9525">
                   <a:solidFill>
                     <a:srgbClr val="000000"/>
                   </a:solidFill>
@@ -2311,7 +2316,7 @@
             </a:ln>
             <a:extLst>
               <a:ext uri="{91240B29-F687-4f45-9708-019B960494DF}">
-                <a14:hiddenLine xmlns:a14="http://schemas.microsoft.com/office/drawing/2010/main" xmlns="" w="9525">
+                <a14:hiddenLine xmlns="" xmlns:a14="http://schemas.microsoft.com/office/drawing/2010/main" w="9525">
                   <a:solidFill>
                     <a:srgbClr val="000000"/>
                   </a:solidFill>
@@ -2345,7 +2350,7 @@
             </a:ln>
             <a:extLst>
               <a:ext uri="{91240B29-F687-4f45-9708-019B960494DF}">
-                <a14:hiddenLine xmlns:a14="http://schemas.microsoft.com/office/drawing/2010/main" xmlns="" w="9525">
+                <a14:hiddenLine xmlns="" xmlns:a14="http://schemas.microsoft.com/office/drawing/2010/main" w="9525">
                   <a:solidFill>
                     <a:srgbClr val="000000"/>
                   </a:solidFill>
@@ -2435,7 +2440,7 @@
             </a:ln>
             <a:extLst>
               <a:ext uri="{91240B29-F687-4f45-9708-019B960494DF}">
-                <a14:hiddenLine xmlns:a14="http://schemas.microsoft.com/office/drawing/2010/main" xmlns="" w="9525">
+                <a14:hiddenLine xmlns="" xmlns:a14="http://schemas.microsoft.com/office/drawing/2010/main" w="9525">
                   <a:solidFill>
                     <a:srgbClr val="000000"/>
                   </a:solidFill>
@@ -2497,7 +2502,7 @@
             </a:ln>
             <a:extLst>
               <a:ext uri="{91240B29-F687-4f45-9708-019B960494DF}">
-                <a14:hiddenLine xmlns:a14="http://schemas.microsoft.com/office/drawing/2010/main" xmlns="" w="9525">
+                <a14:hiddenLine xmlns="" xmlns:a14="http://schemas.microsoft.com/office/drawing/2010/main" w="9525">
                   <a:solidFill>
                     <a:srgbClr val="000000"/>
                   </a:solidFill>
@@ -2559,7 +2564,7 @@
             </a:ln>
             <a:extLst>
               <a:ext uri="{91240B29-F687-4f45-9708-019B960494DF}">
-                <a14:hiddenLine xmlns:a14="http://schemas.microsoft.com/office/drawing/2010/main" xmlns="" w="9525">
+                <a14:hiddenLine xmlns="" xmlns:a14="http://schemas.microsoft.com/office/drawing/2010/main" w="9525">
                   <a:solidFill>
                     <a:srgbClr val="000000"/>
                   </a:solidFill>
@@ -2649,7 +2654,7 @@
             </a:ln>
             <a:extLst>
               <a:ext uri="{91240B29-F687-4f45-9708-019B960494DF}">
-                <a14:hiddenLine xmlns:a14="http://schemas.microsoft.com/office/drawing/2010/main" xmlns="" w="9525">
+                <a14:hiddenLine xmlns="" xmlns:a14="http://schemas.microsoft.com/office/drawing/2010/main" w="9525">
                   <a:solidFill>
                     <a:srgbClr val="000000"/>
                   </a:solidFill>
@@ -2717,7 +2722,7 @@
             </a:ln>
             <a:extLst>
               <a:ext uri="{91240B29-F687-4f45-9708-019B960494DF}">
-                <a14:hiddenLine xmlns:a14="http://schemas.microsoft.com/office/drawing/2010/main" xmlns="" w="9525">
+                <a14:hiddenLine xmlns="" xmlns:a14="http://schemas.microsoft.com/office/drawing/2010/main" w="9525">
                   <a:solidFill>
                     <a:srgbClr val="000000"/>
                   </a:solidFill>
@@ -2779,7 +2784,7 @@
             </a:ln>
             <a:extLst>
               <a:ext uri="{91240B29-F687-4f45-9708-019B960494DF}">
-                <a14:hiddenLine xmlns:a14="http://schemas.microsoft.com/office/drawing/2010/main" xmlns="" w="9525">
+                <a14:hiddenLine xmlns="" xmlns:a14="http://schemas.microsoft.com/office/drawing/2010/main" w="9525">
                   <a:solidFill>
                     <a:srgbClr val="000000"/>
                   </a:solidFill>
@@ -2869,7 +2874,7 @@
             </a:ln>
             <a:extLst>
               <a:ext uri="{91240B29-F687-4f45-9708-019B960494DF}">
-                <a14:hiddenLine xmlns:a14="http://schemas.microsoft.com/office/drawing/2010/main" xmlns="" w="9525">
+                <a14:hiddenLine xmlns="" xmlns:a14="http://schemas.microsoft.com/office/drawing/2010/main" w="9525">
                   <a:solidFill>
                     <a:srgbClr val="000000"/>
                   </a:solidFill>
@@ -2931,7 +2936,7 @@
             </a:ln>
             <a:extLst>
               <a:ext uri="{91240B29-F687-4f45-9708-019B960494DF}">
-                <a14:hiddenLine xmlns:a14="http://schemas.microsoft.com/office/drawing/2010/main" xmlns="" w="9525">
+                <a14:hiddenLine xmlns="" xmlns:a14="http://schemas.microsoft.com/office/drawing/2010/main" w="9525">
                   <a:solidFill>
                     <a:srgbClr val="000000"/>
                   </a:solidFill>
@@ -3021,7 +3026,7 @@
             </a:ln>
             <a:extLst>
               <a:ext uri="{91240B29-F687-4f45-9708-019B960494DF}">
-                <a14:hiddenLine xmlns:a14="http://schemas.microsoft.com/office/drawing/2010/main" xmlns="" w="9525">
+                <a14:hiddenLine xmlns="" xmlns:a14="http://schemas.microsoft.com/office/drawing/2010/main" w="9525">
                   <a:solidFill>
                     <a:srgbClr val="000000"/>
                   </a:solidFill>
@@ -3083,7 +3088,7 @@
             </a:ln>
             <a:extLst>
               <a:ext uri="{91240B29-F687-4f45-9708-019B960494DF}">
-                <a14:hiddenLine xmlns:a14="http://schemas.microsoft.com/office/drawing/2010/main" xmlns="" w="9525">
+                <a14:hiddenLine xmlns="" xmlns:a14="http://schemas.microsoft.com/office/drawing/2010/main" w="9525">
                   <a:solidFill>
                     <a:srgbClr val="000000"/>
                   </a:solidFill>
@@ -3173,7 +3178,7 @@
             </a:ln>
             <a:extLst>
               <a:ext uri="{91240B29-F687-4f45-9708-019B960494DF}">
-                <a14:hiddenLine xmlns:a14="http://schemas.microsoft.com/office/drawing/2010/main" xmlns="" w="9525">
+                <a14:hiddenLine xmlns="" xmlns:a14="http://schemas.microsoft.com/office/drawing/2010/main" w="9525">
                   <a:solidFill>
                     <a:srgbClr val="000000"/>
                   </a:solidFill>
@@ -3207,7 +3212,7 @@
             </a:ln>
             <a:extLst>
               <a:ext uri="{91240B29-F687-4f45-9708-019B960494DF}">
-                <a14:hiddenLine xmlns:a14="http://schemas.microsoft.com/office/drawing/2010/main" xmlns="" w="9525">
+                <a14:hiddenLine xmlns="" xmlns:a14="http://schemas.microsoft.com/office/drawing/2010/main" w="9525">
                   <a:solidFill>
                     <a:srgbClr val="000000"/>
                   </a:solidFill>
@@ -3272,7 +3277,7 @@
             </a:ln>
             <a:extLst>
               <a:ext uri="{91240B29-F687-4f45-9708-019B960494DF}">
-                <a14:hiddenLine xmlns:a14="http://schemas.microsoft.com/office/drawing/2010/main" xmlns="" w="9525">
+                <a14:hiddenLine xmlns="" xmlns:a14="http://schemas.microsoft.com/office/drawing/2010/main" w="9525">
                   <a:solidFill>
                     <a:srgbClr val="000000"/>
                   </a:solidFill>
@@ -3362,7 +3367,7 @@
             </a:ln>
             <a:extLst>
               <a:ext uri="{91240B29-F687-4f45-9708-019B960494DF}">
-                <a14:hiddenLine xmlns:a14="http://schemas.microsoft.com/office/drawing/2010/main" xmlns="" w="9525">
+                <a14:hiddenLine xmlns="" xmlns:a14="http://schemas.microsoft.com/office/drawing/2010/main" w="9525">
                   <a:solidFill>
                     <a:srgbClr val="000000"/>
                   </a:solidFill>
@@ -3424,7 +3429,7 @@
             </a:ln>
             <a:extLst>
               <a:ext uri="{91240B29-F687-4f45-9708-019B960494DF}">
-                <a14:hiddenLine xmlns:a14="http://schemas.microsoft.com/office/drawing/2010/main" xmlns="" w="9525">
+                <a14:hiddenLine xmlns="" xmlns:a14="http://schemas.microsoft.com/office/drawing/2010/main" w="9525">
                   <a:solidFill>
                     <a:srgbClr val="000000"/>
                   </a:solidFill>
@@ -3514,7 +3519,7 @@
             </a:ln>
             <a:extLst>
               <a:ext uri="{91240B29-F687-4f45-9708-019B960494DF}">
-                <a14:hiddenLine xmlns:a14="http://schemas.microsoft.com/office/drawing/2010/main" xmlns="" w="9525">
+                <a14:hiddenLine xmlns="" xmlns:a14="http://schemas.microsoft.com/office/drawing/2010/main" w="9525">
                   <a:solidFill>
                     <a:srgbClr val="000000"/>
                   </a:solidFill>
@@ -3604,7 +3609,7 @@
             </a:ln>
             <a:extLst>
               <a:ext uri="{91240B29-F687-4f45-9708-019B960494DF}">
-                <a14:hiddenLine xmlns:a14="http://schemas.microsoft.com/office/drawing/2010/main" xmlns="" w="9525">
+                <a14:hiddenLine xmlns="" xmlns:a14="http://schemas.microsoft.com/office/drawing/2010/main" w="9525">
                   <a:solidFill>
                     <a:srgbClr val="000000"/>
                   </a:solidFill>
@@ -3669,7 +3674,7 @@
             </a:ln>
             <a:extLst>
               <a:ext uri="{91240B29-F687-4f45-9708-019B960494DF}">
-                <a14:hiddenLine xmlns:a14="http://schemas.microsoft.com/office/drawing/2010/main" xmlns="" w="9525">
+                <a14:hiddenLine xmlns="" xmlns:a14="http://schemas.microsoft.com/office/drawing/2010/main" w="9525">
                   <a:solidFill>
                     <a:srgbClr val="000000"/>
                   </a:solidFill>
@@ -3731,7 +3736,7 @@
             </a:ln>
             <a:extLst>
               <a:ext uri="{91240B29-F687-4f45-9708-019B960494DF}">
-                <a14:hiddenLine xmlns:a14="http://schemas.microsoft.com/office/drawing/2010/main" xmlns="" w="9525">
+                <a14:hiddenLine xmlns="" xmlns:a14="http://schemas.microsoft.com/office/drawing/2010/main" w="9525">
                   <a:solidFill>
                     <a:srgbClr val="000000"/>
                   </a:solidFill>
@@ -3821,7 +3826,7 @@
             </a:ln>
             <a:extLst>
               <a:ext uri="{91240B29-F687-4f45-9708-019B960494DF}">
-                <a14:hiddenLine xmlns:a14="http://schemas.microsoft.com/office/drawing/2010/main" xmlns="" w="9525">
+                <a14:hiddenLine xmlns="" xmlns:a14="http://schemas.microsoft.com/office/drawing/2010/main" w="9525">
                   <a:solidFill>
                     <a:srgbClr val="000000"/>
                   </a:solidFill>
@@ -3911,7 +3916,7 @@
             </a:ln>
             <a:extLst>
               <a:ext uri="{91240B29-F687-4f45-9708-019B960494DF}">
-                <a14:hiddenLine xmlns:a14="http://schemas.microsoft.com/office/drawing/2010/main" xmlns="" w="9525">
+                <a14:hiddenLine xmlns="" xmlns:a14="http://schemas.microsoft.com/office/drawing/2010/main" w="9525">
                   <a:solidFill>
                     <a:srgbClr val="000000"/>
                   </a:solidFill>
@@ -3973,7 +3978,7 @@
             </a:ln>
             <a:extLst>
               <a:ext uri="{91240B29-F687-4f45-9708-019B960494DF}">
-                <a14:hiddenLine xmlns:a14="http://schemas.microsoft.com/office/drawing/2010/main" xmlns="" w="9525">
+                <a14:hiddenLine xmlns="" xmlns:a14="http://schemas.microsoft.com/office/drawing/2010/main" w="9525">
                   <a:solidFill>
                     <a:srgbClr val="000000"/>
                   </a:solidFill>
@@ -4093,7 +4098,7 @@
             </a:ln>
             <a:extLst>
               <a:ext uri="{91240B29-F687-4f45-9708-019B960494DF}">
-                <a14:hiddenLine xmlns:a14="http://schemas.microsoft.com/office/drawing/2010/main" xmlns="" w="9525">
+                <a14:hiddenLine xmlns="" xmlns:a14="http://schemas.microsoft.com/office/drawing/2010/main" w="9525">
                   <a:solidFill>
                     <a:srgbClr val="000000"/>
                   </a:solidFill>
@@ -4161,7 +4166,7 @@
             </a:ln>
             <a:extLst>
               <a:ext uri="{91240B29-F687-4f45-9708-019B960494DF}">
-                <a14:hiddenLine xmlns:a14="http://schemas.microsoft.com/office/drawing/2010/main" xmlns="" w="9525">
+                <a14:hiddenLine xmlns="" xmlns:a14="http://schemas.microsoft.com/office/drawing/2010/main" w="9525">
                   <a:solidFill>
                     <a:srgbClr val="000000"/>
                   </a:solidFill>
@@ -4251,7 +4256,7 @@
             </a:ln>
             <a:extLst>
               <a:ext uri="{91240B29-F687-4f45-9708-019B960494DF}">
-                <a14:hiddenLine xmlns:a14="http://schemas.microsoft.com/office/drawing/2010/main" xmlns="" w="9525">
+                <a14:hiddenLine xmlns="" xmlns:a14="http://schemas.microsoft.com/office/drawing/2010/main" w="9525">
                   <a:solidFill>
                     <a:srgbClr val="000000"/>
                   </a:solidFill>
@@ -8973,7 +8978,7 @@
           <a:noFill/>
           <a:extLst>
             <a:ext uri="{909E8E84-426E-40dd-AFC4-6F175D3DCCD1}">
-              <a14:hiddenFill xmlns:a14="http://schemas.microsoft.com/office/drawing/2010/main" xmlns="">
+              <a14:hiddenFill xmlns="" xmlns:a14="http://schemas.microsoft.com/office/drawing/2010/main">
                 <a:solidFill>
                   <a:srgbClr val="FFFFFF"/>
                 </a:solidFill>
@@ -9047,7 +9052,7 @@
               </a:ln>
               <a:extLst>
                 <a:ext uri="{91240B29-F687-4f45-9708-019B960494DF}">
-                  <a14:hiddenLine xmlns:a14="http://schemas.microsoft.com/office/drawing/2010/main" xmlns="" w="9525">
+                  <a14:hiddenLine xmlns="" xmlns:a14="http://schemas.microsoft.com/office/drawing/2010/main" w="9525">
                     <a:solidFill>
                       <a:srgbClr val="000000"/>
                     </a:solidFill>
@@ -9137,7 +9142,7 @@
               </a:ln>
               <a:extLst>
                 <a:ext uri="{91240B29-F687-4f45-9708-019B960494DF}">
-                  <a14:hiddenLine xmlns:a14="http://schemas.microsoft.com/office/drawing/2010/main" xmlns="" w="9525">
+                  <a14:hiddenLine xmlns="" xmlns:a14="http://schemas.microsoft.com/office/drawing/2010/main" w="9525">
                     <a:solidFill>
                       <a:srgbClr val="000000"/>
                     </a:solidFill>
@@ -9227,7 +9232,7 @@
               </a:ln>
               <a:extLst>
                 <a:ext uri="{91240B29-F687-4f45-9708-019B960494DF}">
-                  <a14:hiddenLine xmlns:a14="http://schemas.microsoft.com/office/drawing/2010/main" xmlns="" w="9525">
+                  <a14:hiddenLine xmlns="" xmlns:a14="http://schemas.microsoft.com/office/drawing/2010/main" w="9525">
                     <a:solidFill>
                       <a:srgbClr val="000000"/>
                     </a:solidFill>
@@ -9289,7 +9294,7 @@
               </a:ln>
               <a:extLst>
                 <a:ext uri="{91240B29-F687-4f45-9708-019B960494DF}">
-                  <a14:hiddenLine xmlns:a14="http://schemas.microsoft.com/office/drawing/2010/main" xmlns="" w="9525">
+                  <a14:hiddenLine xmlns="" xmlns:a14="http://schemas.microsoft.com/office/drawing/2010/main" w="9525">
                     <a:solidFill>
                       <a:srgbClr val="000000"/>
                     </a:solidFill>
@@ -9379,7 +9384,7 @@
               </a:ln>
               <a:extLst>
                 <a:ext uri="{91240B29-F687-4f45-9708-019B960494DF}">
-                  <a14:hiddenLine xmlns:a14="http://schemas.microsoft.com/office/drawing/2010/main" xmlns="" w="9525">
+                  <a14:hiddenLine xmlns="" xmlns:a14="http://schemas.microsoft.com/office/drawing/2010/main" w="9525">
                     <a:solidFill>
                       <a:srgbClr val="000000"/>
                     </a:solidFill>
@@ -9441,7 +9446,7 @@
               </a:ln>
               <a:extLst>
                 <a:ext uri="{91240B29-F687-4f45-9708-019B960494DF}">
-                  <a14:hiddenLine xmlns:a14="http://schemas.microsoft.com/office/drawing/2010/main" xmlns="" w="9525">
+                  <a14:hiddenLine xmlns="" xmlns:a14="http://schemas.microsoft.com/office/drawing/2010/main" w="9525">
                     <a:solidFill>
                       <a:srgbClr val="000000"/>
                     </a:solidFill>
@@ -9503,7 +9508,7 @@
               </a:ln>
               <a:extLst>
                 <a:ext uri="{91240B29-F687-4f45-9708-019B960494DF}">
-                  <a14:hiddenLine xmlns:a14="http://schemas.microsoft.com/office/drawing/2010/main" xmlns="" w="9525">
+                  <a14:hiddenLine xmlns="" xmlns:a14="http://schemas.microsoft.com/office/drawing/2010/main" w="9525">
                     <a:solidFill>
                       <a:srgbClr val="000000"/>
                     </a:solidFill>
@@ -9593,7 +9598,7 @@
               </a:ln>
               <a:extLst>
                 <a:ext uri="{91240B29-F687-4f45-9708-019B960494DF}">
-                  <a14:hiddenLine xmlns:a14="http://schemas.microsoft.com/office/drawing/2010/main" xmlns="" w="9525">
+                  <a14:hiddenLine xmlns="" xmlns:a14="http://schemas.microsoft.com/office/drawing/2010/main" w="9525">
                     <a:solidFill>
                       <a:srgbClr val="000000"/>
                     </a:solidFill>
@@ -9683,7 +9688,7 @@
               </a:ln>
               <a:extLst>
                 <a:ext uri="{91240B29-F687-4f45-9708-019B960494DF}">
-                  <a14:hiddenLine xmlns:a14="http://schemas.microsoft.com/office/drawing/2010/main" xmlns="" w="9525">
+                  <a14:hiddenLine xmlns="" xmlns:a14="http://schemas.microsoft.com/office/drawing/2010/main" w="9525">
                     <a:solidFill>
                       <a:srgbClr val="000000"/>
                     </a:solidFill>
@@ -9745,7 +9750,7 @@
               </a:ln>
               <a:extLst>
                 <a:ext uri="{91240B29-F687-4f45-9708-019B960494DF}">
-                  <a14:hiddenLine xmlns:a14="http://schemas.microsoft.com/office/drawing/2010/main" xmlns="" w="9525">
+                  <a14:hiddenLine xmlns="" xmlns:a14="http://schemas.microsoft.com/office/drawing/2010/main" w="9525">
                     <a:solidFill>
                       <a:srgbClr val="000000"/>
                     </a:solidFill>
@@ -9855,7 +9860,7 @@
               </a:ln>
               <a:extLst>
                 <a:ext uri="{91240B29-F687-4f45-9708-019B960494DF}">
-                  <a14:hiddenLine xmlns:a14="http://schemas.microsoft.com/office/drawing/2010/main" xmlns="" w="9525">
+                  <a14:hiddenLine xmlns="" xmlns:a14="http://schemas.microsoft.com/office/drawing/2010/main" w="9525">
                     <a:solidFill>
                       <a:srgbClr val="000000"/>
                     </a:solidFill>
@@ -9939,7 +9944,7 @@
               </a:ln>
               <a:extLst>
                 <a:ext uri="{91240B29-F687-4f45-9708-019B960494DF}">
-                  <a14:hiddenLine xmlns:a14="http://schemas.microsoft.com/office/drawing/2010/main" xmlns="" w="9525">
+                  <a14:hiddenLine xmlns="" xmlns:a14="http://schemas.microsoft.com/office/drawing/2010/main" w="9525">
                     <a:solidFill>
                       <a:srgbClr val="000000"/>
                     </a:solidFill>
@@ -10001,7 +10006,7 @@
               </a:ln>
               <a:extLst>
                 <a:ext uri="{91240B29-F687-4f45-9708-019B960494DF}">
-                  <a14:hiddenLine xmlns:a14="http://schemas.microsoft.com/office/drawing/2010/main" xmlns="" w="9525">
+                  <a14:hiddenLine xmlns="" xmlns:a14="http://schemas.microsoft.com/office/drawing/2010/main" w="9525">
                     <a:solidFill>
                       <a:srgbClr val="000000"/>
                     </a:solidFill>
@@ -10063,7 +10068,7 @@
               </a:ln>
               <a:extLst>
                 <a:ext uri="{91240B29-F687-4f45-9708-019B960494DF}">
-                  <a14:hiddenLine xmlns:a14="http://schemas.microsoft.com/office/drawing/2010/main" xmlns="" w="9525">
+                  <a14:hiddenLine xmlns="" xmlns:a14="http://schemas.microsoft.com/office/drawing/2010/main" w="9525">
                     <a:solidFill>
                       <a:srgbClr val="000000"/>
                     </a:solidFill>
@@ -10153,7 +10158,7 @@
               </a:ln>
               <a:extLst>
                 <a:ext uri="{91240B29-F687-4f45-9708-019B960494DF}">
-                  <a14:hiddenLine xmlns:a14="http://schemas.microsoft.com/office/drawing/2010/main" xmlns="" w="9525">
+                  <a14:hiddenLine xmlns="" xmlns:a14="http://schemas.microsoft.com/office/drawing/2010/main" w="9525">
                     <a:solidFill>
                       <a:srgbClr val="000000"/>
                     </a:solidFill>
@@ -10187,7 +10192,7 @@
               </a:ln>
               <a:extLst>
                 <a:ext uri="{91240B29-F687-4f45-9708-019B960494DF}">
-                  <a14:hiddenLine xmlns:a14="http://schemas.microsoft.com/office/drawing/2010/main" xmlns="" w="9525">
+                  <a14:hiddenLine xmlns="" xmlns:a14="http://schemas.microsoft.com/office/drawing/2010/main" w="9525">
                     <a:solidFill>
                       <a:srgbClr val="000000"/>
                     </a:solidFill>
@@ -10252,7 +10257,7 @@
               </a:ln>
               <a:extLst>
                 <a:ext uri="{91240B29-F687-4f45-9708-019B960494DF}">
-                  <a14:hiddenLine xmlns:a14="http://schemas.microsoft.com/office/drawing/2010/main" xmlns="" w="9525">
+                  <a14:hiddenLine xmlns="" xmlns:a14="http://schemas.microsoft.com/office/drawing/2010/main" w="9525">
                     <a:solidFill>
                       <a:srgbClr val="000000"/>
                     </a:solidFill>
@@ -10342,7 +10347,7 @@
               </a:ln>
               <a:extLst>
                 <a:ext uri="{91240B29-F687-4f45-9708-019B960494DF}">
-                  <a14:hiddenLine xmlns:a14="http://schemas.microsoft.com/office/drawing/2010/main" xmlns="" w="9525">
+                  <a14:hiddenLine xmlns="" xmlns:a14="http://schemas.microsoft.com/office/drawing/2010/main" w="9525">
                     <a:solidFill>
                       <a:srgbClr val="000000"/>
                     </a:solidFill>
@@ -10404,7 +10409,7 @@
               </a:ln>
               <a:extLst>
                 <a:ext uri="{91240B29-F687-4f45-9708-019B960494DF}">
-                  <a14:hiddenLine xmlns:a14="http://schemas.microsoft.com/office/drawing/2010/main" xmlns="" w="9525">
+                  <a14:hiddenLine xmlns="" xmlns:a14="http://schemas.microsoft.com/office/drawing/2010/main" w="9525">
                     <a:solidFill>
                       <a:srgbClr val="000000"/>
                     </a:solidFill>
@@ -10494,7 +10499,7 @@
               </a:ln>
               <a:extLst>
                 <a:ext uri="{91240B29-F687-4f45-9708-019B960494DF}">
-                  <a14:hiddenLine xmlns:a14="http://schemas.microsoft.com/office/drawing/2010/main" xmlns="" w="9525">
+                  <a14:hiddenLine xmlns="" xmlns:a14="http://schemas.microsoft.com/office/drawing/2010/main" w="9525">
                     <a:solidFill>
                       <a:srgbClr val="000000"/>
                     </a:solidFill>
@@ -10559,7 +10564,7 @@
               </a:ln>
               <a:extLst>
                 <a:ext uri="{91240B29-F687-4f45-9708-019B960494DF}">
-                  <a14:hiddenLine xmlns:a14="http://schemas.microsoft.com/office/drawing/2010/main" xmlns="" w="9525">
+                  <a14:hiddenLine xmlns="" xmlns:a14="http://schemas.microsoft.com/office/drawing/2010/main" w="9525">
                     <a:solidFill>
                       <a:srgbClr val="000000"/>
                     </a:solidFill>
@@ -10621,7 +10626,7 @@
               </a:ln>
               <a:extLst>
                 <a:ext uri="{91240B29-F687-4f45-9708-019B960494DF}">
-                  <a14:hiddenLine xmlns:a14="http://schemas.microsoft.com/office/drawing/2010/main" xmlns="" w="9525">
+                  <a14:hiddenLine xmlns="" xmlns:a14="http://schemas.microsoft.com/office/drawing/2010/main" w="9525">
                     <a:solidFill>
                       <a:srgbClr val="000000"/>
                     </a:solidFill>
@@ -10711,7 +10716,7 @@
               </a:ln>
               <a:extLst>
                 <a:ext uri="{91240B29-F687-4f45-9708-019B960494DF}">
-                  <a14:hiddenLine xmlns:a14="http://schemas.microsoft.com/office/drawing/2010/main" xmlns="" w="9525">
+                  <a14:hiddenLine xmlns="" xmlns:a14="http://schemas.microsoft.com/office/drawing/2010/main" w="9525">
                     <a:solidFill>
                       <a:srgbClr val="000000"/>
                     </a:solidFill>
@@ -10801,7 +10806,7 @@
               </a:ln>
               <a:extLst>
                 <a:ext uri="{91240B29-F687-4f45-9708-019B960494DF}">
-                  <a14:hiddenLine xmlns:a14="http://schemas.microsoft.com/office/drawing/2010/main" xmlns="" w="9525">
+                  <a14:hiddenLine xmlns="" xmlns:a14="http://schemas.microsoft.com/office/drawing/2010/main" w="9525">
                     <a:solidFill>
                       <a:srgbClr val="000000"/>
                     </a:solidFill>
@@ -10866,7 +10871,7 @@
               </a:ln>
               <a:extLst>
                 <a:ext uri="{91240B29-F687-4f45-9708-019B960494DF}">
-                  <a14:hiddenLine xmlns:a14="http://schemas.microsoft.com/office/drawing/2010/main" xmlns="" w="9525">
+                  <a14:hiddenLine xmlns="" xmlns:a14="http://schemas.microsoft.com/office/drawing/2010/main" w="9525">
                     <a:solidFill>
                       <a:srgbClr val="000000"/>
                     </a:solidFill>
@@ -10986,7 +10991,7 @@
               </a:ln>
               <a:extLst>
                 <a:ext uri="{91240B29-F687-4f45-9708-019B960494DF}">
-                  <a14:hiddenLine xmlns:a14="http://schemas.microsoft.com/office/drawing/2010/main" xmlns="" w="9525">
+                  <a14:hiddenLine xmlns="" xmlns:a14="http://schemas.microsoft.com/office/drawing/2010/main" w="9525">
                     <a:solidFill>
                       <a:srgbClr val="000000"/>
                     </a:solidFill>
@@ -11084,7 +11089,7 @@
               </a:ln>
               <a:extLst>
                 <a:ext uri="{91240B29-F687-4f45-9708-019B960494DF}">
-                  <a14:hiddenLine xmlns:a14="http://schemas.microsoft.com/office/drawing/2010/main" xmlns="" w="9525">
+                  <a14:hiddenLine xmlns="" xmlns:a14="http://schemas.microsoft.com/office/drawing/2010/main" w="9525">
                     <a:solidFill>
                       <a:srgbClr val="000000"/>
                     </a:solidFill>
@@ -11199,7 +11204,7 @@
               </a:ln>
               <a:extLst>
                 <a:ext uri="{91240B29-F687-4f45-9708-019B960494DF}">
-                  <a14:hiddenLine xmlns:a14="http://schemas.microsoft.com/office/drawing/2010/main" xmlns="" w="9525">
+                  <a14:hiddenLine xmlns="" xmlns:a14="http://schemas.microsoft.com/office/drawing/2010/main" w="9525">
                     <a:solidFill>
                       <a:srgbClr val="000000"/>
                     </a:solidFill>
@@ -11289,7 +11294,7 @@
               </a:ln>
               <a:extLst>
                 <a:ext uri="{91240B29-F687-4f45-9708-019B960494DF}">
-                  <a14:hiddenLine xmlns:a14="http://schemas.microsoft.com/office/drawing/2010/main" xmlns="" w="9525">
+                  <a14:hiddenLine xmlns="" xmlns:a14="http://schemas.microsoft.com/office/drawing/2010/main" w="9525">
                     <a:solidFill>
                       <a:srgbClr val="000000"/>
                     </a:solidFill>
@@ -11354,7 +11359,7 @@
               </a:ln>
               <a:extLst>
                 <a:ext uri="{91240B29-F687-4f45-9708-019B960494DF}">
-                  <a14:hiddenLine xmlns:a14="http://schemas.microsoft.com/office/drawing/2010/main" xmlns="" w="9525">
+                  <a14:hiddenLine xmlns="" xmlns:a14="http://schemas.microsoft.com/office/drawing/2010/main" w="9525">
                     <a:solidFill>
                       <a:srgbClr val="000000"/>
                     </a:solidFill>
@@ -11444,7 +11449,7 @@
               </a:ln>
               <a:extLst>
                 <a:ext uri="{91240B29-F687-4f45-9708-019B960494DF}">
-                  <a14:hiddenLine xmlns:a14="http://schemas.microsoft.com/office/drawing/2010/main" xmlns="" w="9525">
+                  <a14:hiddenLine xmlns="" xmlns:a14="http://schemas.microsoft.com/office/drawing/2010/main" w="9525">
                     <a:solidFill>
                       <a:srgbClr val="000000"/>
                     </a:solidFill>
@@ -11512,7 +11517,7 @@
               </a:ln>
               <a:extLst>
                 <a:ext uri="{91240B29-F687-4f45-9708-019B960494DF}">
-                  <a14:hiddenLine xmlns:a14="http://schemas.microsoft.com/office/drawing/2010/main" xmlns="" w="9525">
+                  <a14:hiddenLine xmlns="" xmlns:a14="http://schemas.microsoft.com/office/drawing/2010/main" w="9525">
                     <a:solidFill>
                       <a:srgbClr val="000000"/>
                     </a:solidFill>
@@ -11602,7 +11607,7 @@
               </a:ln>
               <a:extLst>
                 <a:ext uri="{91240B29-F687-4f45-9708-019B960494DF}">
-                  <a14:hiddenLine xmlns:a14="http://schemas.microsoft.com/office/drawing/2010/main" xmlns="" w="9525">
+                  <a14:hiddenLine xmlns="" xmlns:a14="http://schemas.microsoft.com/office/drawing/2010/main" w="9525">
                     <a:solidFill>
                       <a:srgbClr val="000000"/>
                     </a:solidFill>
@@ -11670,7 +11675,7 @@
               </a:ln>
               <a:extLst>
                 <a:ext uri="{91240B29-F687-4f45-9708-019B960494DF}">
-                  <a14:hiddenLine xmlns:a14="http://schemas.microsoft.com/office/drawing/2010/main" xmlns="" w="9525">
+                  <a14:hiddenLine xmlns="" xmlns:a14="http://schemas.microsoft.com/office/drawing/2010/main" w="9525">
                     <a:solidFill>
                       <a:srgbClr val="000000"/>
                     </a:solidFill>
@@ -11760,7 +11765,7 @@
               </a:ln>
               <a:extLst>
                 <a:ext uri="{91240B29-F687-4f45-9708-019B960494DF}">
-                  <a14:hiddenLine xmlns:a14="http://schemas.microsoft.com/office/drawing/2010/main" xmlns="" w="9525">
+                  <a14:hiddenLine xmlns="" xmlns:a14="http://schemas.microsoft.com/office/drawing/2010/main" w="9525">
                     <a:solidFill>
                       <a:srgbClr val="000000"/>
                     </a:solidFill>
@@ -11794,7 +11799,7 @@
               </a:ln>
               <a:extLst>
                 <a:ext uri="{91240B29-F687-4f45-9708-019B960494DF}">
-                  <a14:hiddenLine xmlns:a14="http://schemas.microsoft.com/office/drawing/2010/main" xmlns="" w="9525">
+                  <a14:hiddenLine xmlns="" xmlns:a14="http://schemas.microsoft.com/office/drawing/2010/main" w="9525">
                     <a:solidFill>
                       <a:srgbClr val="000000"/>
                     </a:solidFill>
@@ -12411,8 +12416,13 @@
           <a:p>
             <a:r>
               <a:rPr lang="fi-FI" dirty="0"/>
-              <a:t>Ian Tammis </a:t>
+              <a:t>Ian </a:t>
             </a:r>
+            <a:r>
+              <a:rPr lang="fi-FI" dirty="0" smtClean="0"/>
+              <a:t>Timmis </a:t>
+            </a:r>
+            <a:endParaRPr lang="fi-FI" dirty="0"/>
           </a:p>
           <a:p>
             <a:r>
@@ -12436,6 +12446,13 @@
   <p:clrMapOvr>
     <a:masterClrMapping/>
   </p:clrMapOvr>
+  <p:timing>
+    <p:tnLst>
+      <p:par>
+        <p:cTn id="1" dur="indefinite" restart="never" nodeType="tmRoot"/>
+      </p:par>
+    </p:tnLst>
+  </p:timing>
 </p:sld>
 </file>
 
@@ -12542,6 +12559,13 @@
   <p:clrMapOvr>
     <a:masterClrMapping/>
   </p:clrMapOvr>
+  <p:timing>
+    <p:tnLst>
+      <p:par>
+        <p:cTn id="1" dur="indefinite" restart="never" nodeType="tmRoot"/>
+      </p:par>
+    </p:tnLst>
+  </p:timing>
 </p:sld>
 </file>
 
@@ -12664,6 +12688,13 @@
   <p:clrMapOvr>
     <a:masterClrMapping/>
   </p:clrMapOvr>
+  <p:timing>
+    <p:tnLst>
+      <p:par>
+        <p:cTn id="1" dur="indefinite" restart="never" nodeType="tmRoot"/>
+      </p:par>
+    </p:tnLst>
+  </p:timing>
 </p:sld>
 </file>
 
@@ -12746,6 +12777,13 @@
   <p:clrMapOvr>
     <a:masterClrMapping/>
   </p:clrMapOvr>
+  <p:timing>
+    <p:tnLst>
+      <p:par>
+        <p:cTn id="1" dur="indefinite" restart="never" nodeType="tmRoot"/>
+      </p:par>
+    </p:tnLst>
+  </p:timing>
 </p:sld>
 </file>
 
@@ -12860,6 +12898,13 @@
   <p:clrMapOvr>
     <a:masterClrMapping/>
   </p:clrMapOvr>
+  <p:timing>
+    <p:tnLst>
+      <p:par>
+        <p:cTn id="1" dur="indefinite" restart="never" nodeType="tmRoot"/>
+      </p:par>
+    </p:tnLst>
+  </p:timing>
 </p:sld>
 </file>
 
@@ -12974,6 +13019,13 @@
   <p:clrMapOvr>
     <a:masterClrMapping/>
   </p:clrMapOvr>
+  <p:timing>
+    <p:tnLst>
+      <p:par>
+        <p:cTn id="1" dur="indefinite" restart="never" nodeType="tmRoot"/>
+      </p:par>
+    </p:tnLst>
+  </p:timing>
 </p:sld>
 </file>
 

--- a/LTU billboard.pptx
+++ b/LTU billboard.pptx
@@ -11,11 +11,12 @@
     <p:sldId id="259" r:id="rId5"/>
     <p:sldId id="261" r:id="rId6"/>
     <p:sldId id="258" r:id="rId7"/>
+    <p:sldId id="262" r:id="rId8"/>
   </p:sldIdLst>
   <p:sldSz cx="12192000" cy="6858000"/>
   <p:notesSz cx="6858000" cy="9144000"/>
   <p:custDataLst>
-    <p:tags r:id="rId8"/>
+    <p:tags r:id="rId9"/>
   </p:custDataLst>
   <p:defaultTextStyle>
     <a:defPPr>
@@ -170,7 +171,7 @@
           <a:noFill/>
           <a:extLst>
             <a:ext uri="{909E8E84-426E-40dd-AFC4-6F175D3DCCD1}">
-              <a14:hiddenFill xmlns="" xmlns:a14="http://schemas.microsoft.com/office/drawing/2010/main">
+              <a14:hiddenFill xmlns:a14="http://schemas.microsoft.com/office/drawing/2010/main" xmlns="">
                 <a:solidFill>
                   <a:srgbClr val="FFFFFF"/>
                 </a:solidFill>
@@ -230,7 +231,7 @@
             </a:ln>
             <a:extLst>
               <a:ext uri="{91240B29-F687-4f45-9708-019B960494DF}">
-                <a14:hiddenLine xmlns="" xmlns:a14="http://schemas.microsoft.com/office/drawing/2010/main" w="9525">
+                <a14:hiddenLine xmlns:a14="http://schemas.microsoft.com/office/drawing/2010/main" xmlns="" w="9525">
                   <a:solidFill>
                     <a:srgbClr val="000000"/>
                   </a:solidFill>
@@ -320,7 +321,7 @@
             </a:ln>
             <a:extLst>
               <a:ext uri="{91240B29-F687-4f45-9708-019B960494DF}">
-                <a14:hiddenLine xmlns="" xmlns:a14="http://schemas.microsoft.com/office/drawing/2010/main" w="9525">
+                <a14:hiddenLine xmlns:a14="http://schemas.microsoft.com/office/drawing/2010/main" xmlns="" w="9525">
                   <a:solidFill>
                     <a:srgbClr val="000000"/>
                   </a:solidFill>
@@ -410,7 +411,7 @@
             </a:ln>
             <a:extLst>
               <a:ext uri="{91240B29-F687-4f45-9708-019B960494DF}">
-                <a14:hiddenLine xmlns="" xmlns:a14="http://schemas.microsoft.com/office/drawing/2010/main" w="9525">
+                <a14:hiddenLine xmlns:a14="http://schemas.microsoft.com/office/drawing/2010/main" xmlns="" w="9525">
                   <a:solidFill>
                     <a:srgbClr val="000000"/>
                   </a:solidFill>
@@ -444,7 +445,7 @@
             </a:ln>
             <a:extLst>
               <a:ext uri="{91240B29-F687-4f45-9708-019B960494DF}">
-                <a14:hiddenLine xmlns="" xmlns:a14="http://schemas.microsoft.com/office/drawing/2010/main" w="9525">
+                <a14:hiddenLine xmlns:a14="http://schemas.microsoft.com/office/drawing/2010/main" xmlns="" w="9525">
                   <a:solidFill>
                     <a:srgbClr val="000000"/>
                   </a:solidFill>
@@ -534,7 +535,7 @@
             </a:ln>
             <a:extLst>
               <a:ext uri="{91240B29-F687-4f45-9708-019B960494DF}">
-                <a14:hiddenLine xmlns="" xmlns:a14="http://schemas.microsoft.com/office/drawing/2010/main" w="9525">
+                <a14:hiddenLine xmlns:a14="http://schemas.microsoft.com/office/drawing/2010/main" xmlns="" w="9525">
                   <a:solidFill>
                     <a:srgbClr val="000000"/>
                   </a:solidFill>
@@ -596,7 +597,7 @@
             </a:ln>
             <a:extLst>
               <a:ext uri="{91240B29-F687-4f45-9708-019B960494DF}">
-                <a14:hiddenLine xmlns="" xmlns:a14="http://schemas.microsoft.com/office/drawing/2010/main" w="9525">
+                <a14:hiddenLine xmlns:a14="http://schemas.microsoft.com/office/drawing/2010/main" xmlns="" w="9525">
                   <a:solidFill>
                     <a:srgbClr val="000000"/>
                   </a:solidFill>
@@ -658,7 +659,7 @@
             </a:ln>
             <a:extLst>
               <a:ext uri="{91240B29-F687-4f45-9708-019B960494DF}">
-                <a14:hiddenLine xmlns="" xmlns:a14="http://schemas.microsoft.com/office/drawing/2010/main" w="9525">
+                <a14:hiddenLine xmlns:a14="http://schemas.microsoft.com/office/drawing/2010/main" xmlns="" w="9525">
                   <a:solidFill>
                     <a:srgbClr val="000000"/>
                   </a:solidFill>
@@ -748,7 +749,7 @@
             </a:ln>
             <a:extLst>
               <a:ext uri="{91240B29-F687-4f45-9708-019B960494DF}">
-                <a14:hiddenLine xmlns="" xmlns:a14="http://schemas.microsoft.com/office/drawing/2010/main" w="9525">
+                <a14:hiddenLine xmlns:a14="http://schemas.microsoft.com/office/drawing/2010/main" xmlns="" w="9525">
                   <a:solidFill>
                     <a:srgbClr val="000000"/>
                   </a:solidFill>
@@ -810,7 +811,7 @@
             </a:ln>
             <a:extLst>
               <a:ext uri="{91240B29-F687-4f45-9708-019B960494DF}">
-                <a14:hiddenLine xmlns="" xmlns:a14="http://schemas.microsoft.com/office/drawing/2010/main" w="9525">
+                <a14:hiddenLine xmlns:a14="http://schemas.microsoft.com/office/drawing/2010/main" xmlns="" w="9525">
                   <a:solidFill>
                     <a:srgbClr val="000000"/>
                   </a:solidFill>
@@ -872,7 +873,7 @@
             </a:ln>
             <a:extLst>
               <a:ext uri="{91240B29-F687-4f45-9708-019B960494DF}">
-                <a14:hiddenLine xmlns="" xmlns:a14="http://schemas.microsoft.com/office/drawing/2010/main" w="9525">
+                <a14:hiddenLine xmlns:a14="http://schemas.microsoft.com/office/drawing/2010/main" xmlns="" w="9525">
                   <a:solidFill>
                     <a:srgbClr val="000000"/>
                   </a:solidFill>
@@ -962,7 +963,7 @@
             </a:ln>
             <a:extLst>
               <a:ext uri="{91240B29-F687-4f45-9708-019B960494DF}">
-                <a14:hiddenLine xmlns="" xmlns:a14="http://schemas.microsoft.com/office/drawing/2010/main" w="9525">
+                <a14:hiddenLine xmlns:a14="http://schemas.microsoft.com/office/drawing/2010/main" xmlns="" w="9525">
                   <a:solidFill>
                     <a:srgbClr val="000000"/>
                   </a:solidFill>
@@ -1052,7 +1053,7 @@
             </a:ln>
             <a:extLst>
               <a:ext uri="{91240B29-F687-4f45-9708-019B960494DF}">
-                <a14:hiddenLine xmlns="" xmlns:a14="http://schemas.microsoft.com/office/drawing/2010/main" w="9525">
+                <a14:hiddenLine xmlns:a14="http://schemas.microsoft.com/office/drawing/2010/main" xmlns="" w="9525">
                   <a:solidFill>
                     <a:srgbClr val="000000"/>
                   </a:solidFill>
@@ -1114,7 +1115,7 @@
             </a:ln>
             <a:extLst>
               <a:ext uri="{91240B29-F687-4f45-9708-019B960494DF}">
-                <a14:hiddenLine xmlns="" xmlns:a14="http://schemas.microsoft.com/office/drawing/2010/main" w="9525">
+                <a14:hiddenLine xmlns:a14="http://schemas.microsoft.com/office/drawing/2010/main" xmlns="" w="9525">
                   <a:solidFill>
                     <a:srgbClr val="000000"/>
                   </a:solidFill>
@@ -1224,7 +1225,7 @@
             </a:ln>
             <a:extLst>
               <a:ext uri="{91240B29-F687-4f45-9708-019B960494DF}">
-                <a14:hiddenLine xmlns="" xmlns:a14="http://schemas.microsoft.com/office/drawing/2010/main" w="9525">
+                <a14:hiddenLine xmlns:a14="http://schemas.microsoft.com/office/drawing/2010/main" xmlns="" w="9525">
                   <a:solidFill>
                     <a:srgbClr val="000000"/>
                   </a:solidFill>
@@ -1286,7 +1287,7 @@
             </a:ln>
             <a:extLst>
               <a:ext uri="{91240B29-F687-4f45-9708-019B960494DF}">
-                <a14:hiddenLine xmlns="" xmlns:a14="http://schemas.microsoft.com/office/drawing/2010/main" w="9525">
+                <a14:hiddenLine xmlns:a14="http://schemas.microsoft.com/office/drawing/2010/main" xmlns="" w="9525">
                   <a:solidFill>
                     <a:srgbClr val="000000"/>
                   </a:solidFill>
@@ -1376,7 +1377,7 @@
             </a:ln>
             <a:extLst>
               <a:ext uri="{91240B29-F687-4f45-9708-019B960494DF}">
-                <a14:hiddenLine xmlns="" xmlns:a14="http://schemas.microsoft.com/office/drawing/2010/main" w="9525">
+                <a14:hiddenLine xmlns:a14="http://schemas.microsoft.com/office/drawing/2010/main" xmlns="" w="9525">
                   <a:solidFill>
                     <a:srgbClr val="000000"/>
                   </a:solidFill>
@@ -1466,7 +1467,7 @@
             </a:ln>
             <a:extLst>
               <a:ext uri="{91240B29-F687-4f45-9708-019B960494DF}">
-                <a14:hiddenLine xmlns="" xmlns:a14="http://schemas.microsoft.com/office/drawing/2010/main" w="9525">
+                <a14:hiddenLine xmlns:a14="http://schemas.microsoft.com/office/drawing/2010/main" xmlns="" w="9525">
                   <a:solidFill>
                     <a:srgbClr val="000000"/>
                   </a:solidFill>
@@ -1528,7 +1529,7 @@
             </a:ln>
             <a:extLst>
               <a:ext uri="{91240B29-F687-4f45-9708-019B960494DF}">
-                <a14:hiddenLine xmlns="" xmlns:a14="http://schemas.microsoft.com/office/drawing/2010/main" w="9525">
+                <a14:hiddenLine xmlns:a14="http://schemas.microsoft.com/office/drawing/2010/main" xmlns="" w="9525">
                   <a:solidFill>
                     <a:srgbClr val="000000"/>
                   </a:solidFill>
@@ -1618,7 +1619,7 @@
             </a:ln>
             <a:extLst>
               <a:ext uri="{91240B29-F687-4f45-9708-019B960494DF}">
-                <a14:hiddenLine xmlns="" xmlns:a14="http://schemas.microsoft.com/office/drawing/2010/main" w="9525">
+                <a14:hiddenLine xmlns:a14="http://schemas.microsoft.com/office/drawing/2010/main" xmlns="" w="9525">
                   <a:solidFill>
                     <a:srgbClr val="000000"/>
                   </a:solidFill>
@@ -1708,7 +1709,7 @@
             </a:ln>
             <a:extLst>
               <a:ext uri="{91240B29-F687-4f45-9708-019B960494DF}">
-                <a14:hiddenLine xmlns="" xmlns:a14="http://schemas.microsoft.com/office/drawing/2010/main" w="9525">
+                <a14:hiddenLine xmlns:a14="http://schemas.microsoft.com/office/drawing/2010/main" xmlns="" w="9525">
                   <a:solidFill>
                     <a:srgbClr val="000000"/>
                   </a:solidFill>
@@ -1764,7 +1765,7 @@
             </a:ln>
             <a:extLst>
               <a:ext uri="{91240B29-F687-4f45-9708-019B960494DF}">
-                <a14:hiddenLine xmlns="" xmlns:a14="http://schemas.microsoft.com/office/drawing/2010/main" w="9525">
+                <a14:hiddenLine xmlns:a14="http://schemas.microsoft.com/office/drawing/2010/main" xmlns="" w="9525">
                   <a:solidFill>
                     <a:srgbClr val="000000"/>
                   </a:solidFill>
@@ -1854,7 +1855,7 @@
             </a:ln>
             <a:extLst>
               <a:ext uri="{91240B29-F687-4f45-9708-019B960494DF}">
-                <a14:hiddenLine xmlns="" xmlns:a14="http://schemas.microsoft.com/office/drawing/2010/main" w="9525">
+                <a14:hiddenLine xmlns:a14="http://schemas.microsoft.com/office/drawing/2010/main" xmlns="" w="9525">
                   <a:solidFill>
                     <a:srgbClr val="000000"/>
                   </a:solidFill>
@@ -1910,7 +1911,7 @@
             </a:ln>
             <a:extLst>
               <a:ext uri="{91240B29-F687-4f45-9708-019B960494DF}">
-                <a14:hiddenLine xmlns="" xmlns:a14="http://schemas.microsoft.com/office/drawing/2010/main" w="9525">
+                <a14:hiddenLine xmlns:a14="http://schemas.microsoft.com/office/drawing/2010/main" xmlns="" w="9525">
                   <a:solidFill>
                     <a:srgbClr val="000000"/>
                   </a:solidFill>
@@ -2000,7 +2001,7 @@
             </a:ln>
             <a:extLst>
               <a:ext uri="{91240B29-F687-4f45-9708-019B960494DF}">
-                <a14:hiddenLine xmlns="" xmlns:a14="http://schemas.microsoft.com/office/drawing/2010/main" w="9525">
+                <a14:hiddenLine xmlns:a14="http://schemas.microsoft.com/office/drawing/2010/main" xmlns="" w="9525">
                   <a:solidFill>
                     <a:srgbClr val="000000"/>
                   </a:solidFill>
@@ -2068,7 +2069,7 @@
             </a:ln>
             <a:extLst>
               <a:ext uri="{91240B29-F687-4f45-9708-019B960494DF}">
-                <a14:hiddenLine xmlns="" xmlns:a14="http://schemas.microsoft.com/office/drawing/2010/main" w="9525">
+                <a14:hiddenLine xmlns:a14="http://schemas.microsoft.com/office/drawing/2010/main" xmlns="" w="9525">
                   <a:solidFill>
                     <a:srgbClr val="000000"/>
                   </a:solidFill>
@@ -2158,7 +2159,7 @@
             </a:ln>
             <a:extLst>
               <a:ext uri="{91240B29-F687-4f45-9708-019B960494DF}">
-                <a14:hiddenLine xmlns="" xmlns:a14="http://schemas.microsoft.com/office/drawing/2010/main" w="9525">
+                <a14:hiddenLine xmlns:a14="http://schemas.microsoft.com/office/drawing/2010/main" xmlns="" w="9525">
                   <a:solidFill>
                     <a:srgbClr val="000000"/>
                   </a:solidFill>
@@ -2226,7 +2227,7 @@
             </a:ln>
             <a:extLst>
               <a:ext uri="{91240B29-F687-4f45-9708-019B960494DF}">
-                <a14:hiddenLine xmlns="" xmlns:a14="http://schemas.microsoft.com/office/drawing/2010/main" w="9525">
+                <a14:hiddenLine xmlns:a14="http://schemas.microsoft.com/office/drawing/2010/main" xmlns="" w="9525">
                   <a:solidFill>
                     <a:srgbClr val="000000"/>
                   </a:solidFill>
@@ -2316,7 +2317,7 @@
             </a:ln>
             <a:extLst>
               <a:ext uri="{91240B29-F687-4f45-9708-019B960494DF}">
-                <a14:hiddenLine xmlns="" xmlns:a14="http://schemas.microsoft.com/office/drawing/2010/main" w="9525">
+                <a14:hiddenLine xmlns:a14="http://schemas.microsoft.com/office/drawing/2010/main" xmlns="" w="9525">
                   <a:solidFill>
                     <a:srgbClr val="000000"/>
                   </a:solidFill>
@@ -2350,7 +2351,7 @@
             </a:ln>
             <a:extLst>
               <a:ext uri="{91240B29-F687-4f45-9708-019B960494DF}">
-                <a14:hiddenLine xmlns="" xmlns:a14="http://schemas.microsoft.com/office/drawing/2010/main" w="9525">
+                <a14:hiddenLine xmlns:a14="http://schemas.microsoft.com/office/drawing/2010/main" xmlns="" w="9525">
                   <a:solidFill>
                     <a:srgbClr val="000000"/>
                   </a:solidFill>
@@ -2440,7 +2441,7 @@
             </a:ln>
             <a:extLst>
               <a:ext uri="{91240B29-F687-4f45-9708-019B960494DF}">
-                <a14:hiddenLine xmlns="" xmlns:a14="http://schemas.microsoft.com/office/drawing/2010/main" w="9525">
+                <a14:hiddenLine xmlns:a14="http://schemas.microsoft.com/office/drawing/2010/main" xmlns="" w="9525">
                   <a:solidFill>
                     <a:srgbClr val="000000"/>
                   </a:solidFill>
@@ -2502,7 +2503,7 @@
             </a:ln>
             <a:extLst>
               <a:ext uri="{91240B29-F687-4f45-9708-019B960494DF}">
-                <a14:hiddenLine xmlns="" xmlns:a14="http://schemas.microsoft.com/office/drawing/2010/main" w="9525">
+                <a14:hiddenLine xmlns:a14="http://schemas.microsoft.com/office/drawing/2010/main" xmlns="" w="9525">
                   <a:solidFill>
                     <a:srgbClr val="000000"/>
                   </a:solidFill>
@@ -2564,7 +2565,7 @@
             </a:ln>
             <a:extLst>
               <a:ext uri="{91240B29-F687-4f45-9708-019B960494DF}">
-                <a14:hiddenLine xmlns="" xmlns:a14="http://schemas.microsoft.com/office/drawing/2010/main" w="9525">
+                <a14:hiddenLine xmlns:a14="http://schemas.microsoft.com/office/drawing/2010/main" xmlns="" w="9525">
                   <a:solidFill>
                     <a:srgbClr val="000000"/>
                   </a:solidFill>
@@ -2654,7 +2655,7 @@
             </a:ln>
             <a:extLst>
               <a:ext uri="{91240B29-F687-4f45-9708-019B960494DF}">
-                <a14:hiddenLine xmlns="" xmlns:a14="http://schemas.microsoft.com/office/drawing/2010/main" w="9525">
+                <a14:hiddenLine xmlns:a14="http://schemas.microsoft.com/office/drawing/2010/main" xmlns="" w="9525">
                   <a:solidFill>
                     <a:srgbClr val="000000"/>
                   </a:solidFill>
@@ -2722,7 +2723,7 @@
             </a:ln>
             <a:extLst>
               <a:ext uri="{91240B29-F687-4f45-9708-019B960494DF}">
-                <a14:hiddenLine xmlns="" xmlns:a14="http://schemas.microsoft.com/office/drawing/2010/main" w="9525">
+                <a14:hiddenLine xmlns:a14="http://schemas.microsoft.com/office/drawing/2010/main" xmlns="" w="9525">
                   <a:solidFill>
                     <a:srgbClr val="000000"/>
                   </a:solidFill>
@@ -2784,7 +2785,7 @@
             </a:ln>
             <a:extLst>
               <a:ext uri="{91240B29-F687-4f45-9708-019B960494DF}">
-                <a14:hiddenLine xmlns="" xmlns:a14="http://schemas.microsoft.com/office/drawing/2010/main" w="9525">
+                <a14:hiddenLine xmlns:a14="http://schemas.microsoft.com/office/drawing/2010/main" xmlns="" w="9525">
                   <a:solidFill>
                     <a:srgbClr val="000000"/>
                   </a:solidFill>
@@ -2874,7 +2875,7 @@
             </a:ln>
             <a:extLst>
               <a:ext uri="{91240B29-F687-4f45-9708-019B960494DF}">
-                <a14:hiddenLine xmlns="" xmlns:a14="http://schemas.microsoft.com/office/drawing/2010/main" w="9525">
+                <a14:hiddenLine xmlns:a14="http://schemas.microsoft.com/office/drawing/2010/main" xmlns="" w="9525">
                   <a:solidFill>
                     <a:srgbClr val="000000"/>
                   </a:solidFill>
@@ -2936,7 +2937,7 @@
             </a:ln>
             <a:extLst>
               <a:ext uri="{91240B29-F687-4f45-9708-019B960494DF}">
-                <a14:hiddenLine xmlns="" xmlns:a14="http://schemas.microsoft.com/office/drawing/2010/main" w="9525">
+                <a14:hiddenLine xmlns:a14="http://schemas.microsoft.com/office/drawing/2010/main" xmlns="" w="9525">
                   <a:solidFill>
                     <a:srgbClr val="000000"/>
                   </a:solidFill>
@@ -3026,7 +3027,7 @@
             </a:ln>
             <a:extLst>
               <a:ext uri="{91240B29-F687-4f45-9708-019B960494DF}">
-                <a14:hiddenLine xmlns="" xmlns:a14="http://schemas.microsoft.com/office/drawing/2010/main" w="9525">
+                <a14:hiddenLine xmlns:a14="http://schemas.microsoft.com/office/drawing/2010/main" xmlns="" w="9525">
                   <a:solidFill>
                     <a:srgbClr val="000000"/>
                   </a:solidFill>
@@ -3088,7 +3089,7 @@
             </a:ln>
             <a:extLst>
               <a:ext uri="{91240B29-F687-4f45-9708-019B960494DF}">
-                <a14:hiddenLine xmlns="" xmlns:a14="http://schemas.microsoft.com/office/drawing/2010/main" w="9525">
+                <a14:hiddenLine xmlns:a14="http://schemas.microsoft.com/office/drawing/2010/main" xmlns="" w="9525">
                   <a:solidFill>
                     <a:srgbClr val="000000"/>
                   </a:solidFill>
@@ -3178,7 +3179,7 @@
             </a:ln>
             <a:extLst>
               <a:ext uri="{91240B29-F687-4f45-9708-019B960494DF}">
-                <a14:hiddenLine xmlns="" xmlns:a14="http://schemas.microsoft.com/office/drawing/2010/main" w="9525">
+                <a14:hiddenLine xmlns:a14="http://schemas.microsoft.com/office/drawing/2010/main" xmlns="" w="9525">
                   <a:solidFill>
                     <a:srgbClr val="000000"/>
                   </a:solidFill>
@@ -3212,7 +3213,7 @@
             </a:ln>
             <a:extLst>
               <a:ext uri="{91240B29-F687-4f45-9708-019B960494DF}">
-                <a14:hiddenLine xmlns="" xmlns:a14="http://schemas.microsoft.com/office/drawing/2010/main" w="9525">
+                <a14:hiddenLine xmlns:a14="http://schemas.microsoft.com/office/drawing/2010/main" xmlns="" w="9525">
                   <a:solidFill>
                     <a:srgbClr val="000000"/>
                   </a:solidFill>
@@ -3277,7 +3278,7 @@
             </a:ln>
             <a:extLst>
               <a:ext uri="{91240B29-F687-4f45-9708-019B960494DF}">
-                <a14:hiddenLine xmlns="" xmlns:a14="http://schemas.microsoft.com/office/drawing/2010/main" w="9525">
+                <a14:hiddenLine xmlns:a14="http://schemas.microsoft.com/office/drawing/2010/main" xmlns="" w="9525">
                   <a:solidFill>
                     <a:srgbClr val="000000"/>
                   </a:solidFill>
@@ -3367,7 +3368,7 @@
             </a:ln>
             <a:extLst>
               <a:ext uri="{91240B29-F687-4f45-9708-019B960494DF}">
-                <a14:hiddenLine xmlns="" xmlns:a14="http://schemas.microsoft.com/office/drawing/2010/main" w="9525">
+                <a14:hiddenLine xmlns:a14="http://schemas.microsoft.com/office/drawing/2010/main" xmlns="" w="9525">
                   <a:solidFill>
                     <a:srgbClr val="000000"/>
                   </a:solidFill>
@@ -3429,7 +3430,7 @@
             </a:ln>
             <a:extLst>
               <a:ext uri="{91240B29-F687-4f45-9708-019B960494DF}">
-                <a14:hiddenLine xmlns="" xmlns:a14="http://schemas.microsoft.com/office/drawing/2010/main" w="9525">
+                <a14:hiddenLine xmlns:a14="http://schemas.microsoft.com/office/drawing/2010/main" xmlns="" w="9525">
                   <a:solidFill>
                     <a:srgbClr val="000000"/>
                   </a:solidFill>
@@ -3519,7 +3520,7 @@
             </a:ln>
             <a:extLst>
               <a:ext uri="{91240B29-F687-4f45-9708-019B960494DF}">
-                <a14:hiddenLine xmlns="" xmlns:a14="http://schemas.microsoft.com/office/drawing/2010/main" w="9525">
+                <a14:hiddenLine xmlns:a14="http://schemas.microsoft.com/office/drawing/2010/main" xmlns="" w="9525">
                   <a:solidFill>
                     <a:srgbClr val="000000"/>
                   </a:solidFill>
@@ -3609,7 +3610,7 @@
             </a:ln>
             <a:extLst>
               <a:ext uri="{91240B29-F687-4f45-9708-019B960494DF}">
-                <a14:hiddenLine xmlns="" xmlns:a14="http://schemas.microsoft.com/office/drawing/2010/main" w="9525">
+                <a14:hiddenLine xmlns:a14="http://schemas.microsoft.com/office/drawing/2010/main" xmlns="" w="9525">
                   <a:solidFill>
                     <a:srgbClr val="000000"/>
                   </a:solidFill>
@@ -3674,7 +3675,7 @@
             </a:ln>
             <a:extLst>
               <a:ext uri="{91240B29-F687-4f45-9708-019B960494DF}">
-                <a14:hiddenLine xmlns="" xmlns:a14="http://schemas.microsoft.com/office/drawing/2010/main" w="9525">
+                <a14:hiddenLine xmlns:a14="http://schemas.microsoft.com/office/drawing/2010/main" xmlns="" w="9525">
                   <a:solidFill>
                     <a:srgbClr val="000000"/>
                   </a:solidFill>
@@ -3736,7 +3737,7 @@
             </a:ln>
             <a:extLst>
               <a:ext uri="{91240B29-F687-4f45-9708-019B960494DF}">
-                <a14:hiddenLine xmlns="" xmlns:a14="http://schemas.microsoft.com/office/drawing/2010/main" w="9525">
+                <a14:hiddenLine xmlns:a14="http://schemas.microsoft.com/office/drawing/2010/main" xmlns="" w="9525">
                   <a:solidFill>
                     <a:srgbClr val="000000"/>
                   </a:solidFill>
@@ -3826,7 +3827,7 @@
             </a:ln>
             <a:extLst>
               <a:ext uri="{91240B29-F687-4f45-9708-019B960494DF}">
-                <a14:hiddenLine xmlns="" xmlns:a14="http://schemas.microsoft.com/office/drawing/2010/main" w="9525">
+                <a14:hiddenLine xmlns:a14="http://schemas.microsoft.com/office/drawing/2010/main" xmlns="" w="9525">
                   <a:solidFill>
                     <a:srgbClr val="000000"/>
                   </a:solidFill>
@@ -3916,7 +3917,7 @@
             </a:ln>
             <a:extLst>
               <a:ext uri="{91240B29-F687-4f45-9708-019B960494DF}">
-                <a14:hiddenLine xmlns="" xmlns:a14="http://schemas.microsoft.com/office/drawing/2010/main" w="9525">
+                <a14:hiddenLine xmlns:a14="http://schemas.microsoft.com/office/drawing/2010/main" xmlns="" w="9525">
                   <a:solidFill>
                     <a:srgbClr val="000000"/>
                   </a:solidFill>
@@ -3978,7 +3979,7 @@
             </a:ln>
             <a:extLst>
               <a:ext uri="{91240B29-F687-4f45-9708-019B960494DF}">
-                <a14:hiddenLine xmlns="" xmlns:a14="http://schemas.microsoft.com/office/drawing/2010/main" w="9525">
+                <a14:hiddenLine xmlns:a14="http://schemas.microsoft.com/office/drawing/2010/main" xmlns="" w="9525">
                   <a:solidFill>
                     <a:srgbClr val="000000"/>
                   </a:solidFill>
@@ -4098,7 +4099,7 @@
             </a:ln>
             <a:extLst>
               <a:ext uri="{91240B29-F687-4f45-9708-019B960494DF}">
-                <a14:hiddenLine xmlns="" xmlns:a14="http://schemas.microsoft.com/office/drawing/2010/main" w="9525">
+                <a14:hiddenLine xmlns:a14="http://schemas.microsoft.com/office/drawing/2010/main" xmlns="" w="9525">
                   <a:solidFill>
                     <a:srgbClr val="000000"/>
                   </a:solidFill>
@@ -4166,7 +4167,7 @@
             </a:ln>
             <a:extLst>
               <a:ext uri="{91240B29-F687-4f45-9708-019B960494DF}">
-                <a14:hiddenLine xmlns="" xmlns:a14="http://schemas.microsoft.com/office/drawing/2010/main" w="9525">
+                <a14:hiddenLine xmlns:a14="http://schemas.microsoft.com/office/drawing/2010/main" xmlns="" w="9525">
                   <a:solidFill>
                     <a:srgbClr val="000000"/>
                   </a:solidFill>
@@ -4256,7 +4257,7 @@
             </a:ln>
             <a:extLst>
               <a:ext uri="{91240B29-F687-4f45-9708-019B960494DF}">
-                <a14:hiddenLine xmlns="" xmlns:a14="http://schemas.microsoft.com/office/drawing/2010/main" w="9525">
+                <a14:hiddenLine xmlns:a14="http://schemas.microsoft.com/office/drawing/2010/main" xmlns="" w="9525">
                   <a:solidFill>
                     <a:srgbClr val="000000"/>
                   </a:solidFill>
@@ -8978,7 +8979,7 @@
           <a:noFill/>
           <a:extLst>
             <a:ext uri="{909E8E84-426E-40dd-AFC4-6F175D3DCCD1}">
-              <a14:hiddenFill xmlns="" xmlns:a14="http://schemas.microsoft.com/office/drawing/2010/main">
+              <a14:hiddenFill xmlns:a14="http://schemas.microsoft.com/office/drawing/2010/main" xmlns="">
                 <a:solidFill>
                   <a:srgbClr val="FFFFFF"/>
                 </a:solidFill>
@@ -9052,7 +9053,7 @@
               </a:ln>
               <a:extLst>
                 <a:ext uri="{91240B29-F687-4f45-9708-019B960494DF}">
-                  <a14:hiddenLine xmlns="" xmlns:a14="http://schemas.microsoft.com/office/drawing/2010/main" w="9525">
+                  <a14:hiddenLine xmlns:a14="http://schemas.microsoft.com/office/drawing/2010/main" xmlns="" w="9525">
                     <a:solidFill>
                       <a:srgbClr val="000000"/>
                     </a:solidFill>
@@ -9142,7 +9143,7 @@
               </a:ln>
               <a:extLst>
                 <a:ext uri="{91240B29-F687-4f45-9708-019B960494DF}">
-                  <a14:hiddenLine xmlns="" xmlns:a14="http://schemas.microsoft.com/office/drawing/2010/main" w="9525">
+                  <a14:hiddenLine xmlns:a14="http://schemas.microsoft.com/office/drawing/2010/main" xmlns="" w="9525">
                     <a:solidFill>
                       <a:srgbClr val="000000"/>
                     </a:solidFill>
@@ -9232,7 +9233,7 @@
               </a:ln>
               <a:extLst>
                 <a:ext uri="{91240B29-F687-4f45-9708-019B960494DF}">
-                  <a14:hiddenLine xmlns="" xmlns:a14="http://schemas.microsoft.com/office/drawing/2010/main" w="9525">
+                  <a14:hiddenLine xmlns:a14="http://schemas.microsoft.com/office/drawing/2010/main" xmlns="" w="9525">
                     <a:solidFill>
                       <a:srgbClr val="000000"/>
                     </a:solidFill>
@@ -9294,7 +9295,7 @@
               </a:ln>
               <a:extLst>
                 <a:ext uri="{91240B29-F687-4f45-9708-019B960494DF}">
-                  <a14:hiddenLine xmlns="" xmlns:a14="http://schemas.microsoft.com/office/drawing/2010/main" w="9525">
+                  <a14:hiddenLine xmlns:a14="http://schemas.microsoft.com/office/drawing/2010/main" xmlns="" w="9525">
                     <a:solidFill>
                       <a:srgbClr val="000000"/>
                     </a:solidFill>
@@ -9384,7 +9385,7 @@
               </a:ln>
               <a:extLst>
                 <a:ext uri="{91240B29-F687-4f45-9708-019B960494DF}">
-                  <a14:hiddenLine xmlns="" xmlns:a14="http://schemas.microsoft.com/office/drawing/2010/main" w="9525">
+                  <a14:hiddenLine xmlns:a14="http://schemas.microsoft.com/office/drawing/2010/main" xmlns="" w="9525">
                     <a:solidFill>
                       <a:srgbClr val="000000"/>
                     </a:solidFill>
@@ -9446,7 +9447,7 @@
               </a:ln>
               <a:extLst>
                 <a:ext uri="{91240B29-F687-4f45-9708-019B960494DF}">
-                  <a14:hiddenLine xmlns="" xmlns:a14="http://schemas.microsoft.com/office/drawing/2010/main" w="9525">
+                  <a14:hiddenLine xmlns:a14="http://schemas.microsoft.com/office/drawing/2010/main" xmlns="" w="9525">
                     <a:solidFill>
                       <a:srgbClr val="000000"/>
                     </a:solidFill>
@@ -9508,7 +9509,7 @@
               </a:ln>
               <a:extLst>
                 <a:ext uri="{91240B29-F687-4f45-9708-019B960494DF}">
-                  <a14:hiddenLine xmlns="" xmlns:a14="http://schemas.microsoft.com/office/drawing/2010/main" w="9525">
+                  <a14:hiddenLine xmlns:a14="http://schemas.microsoft.com/office/drawing/2010/main" xmlns="" w="9525">
                     <a:solidFill>
                       <a:srgbClr val="000000"/>
                     </a:solidFill>
@@ -9598,7 +9599,7 @@
               </a:ln>
               <a:extLst>
                 <a:ext uri="{91240B29-F687-4f45-9708-019B960494DF}">
-                  <a14:hiddenLine xmlns="" xmlns:a14="http://schemas.microsoft.com/office/drawing/2010/main" w="9525">
+                  <a14:hiddenLine xmlns:a14="http://schemas.microsoft.com/office/drawing/2010/main" xmlns="" w="9525">
                     <a:solidFill>
                       <a:srgbClr val="000000"/>
                     </a:solidFill>
@@ -9688,7 +9689,7 @@
               </a:ln>
               <a:extLst>
                 <a:ext uri="{91240B29-F687-4f45-9708-019B960494DF}">
-                  <a14:hiddenLine xmlns="" xmlns:a14="http://schemas.microsoft.com/office/drawing/2010/main" w="9525">
+                  <a14:hiddenLine xmlns:a14="http://schemas.microsoft.com/office/drawing/2010/main" xmlns="" w="9525">
                     <a:solidFill>
                       <a:srgbClr val="000000"/>
                     </a:solidFill>
@@ -9750,7 +9751,7 @@
               </a:ln>
               <a:extLst>
                 <a:ext uri="{91240B29-F687-4f45-9708-019B960494DF}">
-                  <a14:hiddenLine xmlns="" xmlns:a14="http://schemas.microsoft.com/office/drawing/2010/main" w="9525">
+                  <a14:hiddenLine xmlns:a14="http://schemas.microsoft.com/office/drawing/2010/main" xmlns="" w="9525">
                     <a:solidFill>
                       <a:srgbClr val="000000"/>
                     </a:solidFill>
@@ -9860,7 +9861,7 @@
               </a:ln>
               <a:extLst>
                 <a:ext uri="{91240B29-F687-4f45-9708-019B960494DF}">
-                  <a14:hiddenLine xmlns="" xmlns:a14="http://schemas.microsoft.com/office/drawing/2010/main" w="9525">
+                  <a14:hiddenLine xmlns:a14="http://schemas.microsoft.com/office/drawing/2010/main" xmlns="" w="9525">
                     <a:solidFill>
                       <a:srgbClr val="000000"/>
                     </a:solidFill>
@@ -9944,7 +9945,7 @@
               </a:ln>
               <a:extLst>
                 <a:ext uri="{91240B29-F687-4f45-9708-019B960494DF}">
-                  <a14:hiddenLine xmlns="" xmlns:a14="http://schemas.microsoft.com/office/drawing/2010/main" w="9525">
+                  <a14:hiddenLine xmlns:a14="http://schemas.microsoft.com/office/drawing/2010/main" xmlns="" w="9525">
                     <a:solidFill>
                       <a:srgbClr val="000000"/>
                     </a:solidFill>
@@ -10006,7 +10007,7 @@
               </a:ln>
               <a:extLst>
                 <a:ext uri="{91240B29-F687-4f45-9708-019B960494DF}">
-                  <a14:hiddenLine xmlns="" xmlns:a14="http://schemas.microsoft.com/office/drawing/2010/main" w="9525">
+                  <a14:hiddenLine xmlns:a14="http://schemas.microsoft.com/office/drawing/2010/main" xmlns="" w="9525">
                     <a:solidFill>
                       <a:srgbClr val="000000"/>
                     </a:solidFill>
@@ -10068,7 +10069,7 @@
               </a:ln>
               <a:extLst>
                 <a:ext uri="{91240B29-F687-4f45-9708-019B960494DF}">
-                  <a14:hiddenLine xmlns="" xmlns:a14="http://schemas.microsoft.com/office/drawing/2010/main" w="9525">
+                  <a14:hiddenLine xmlns:a14="http://schemas.microsoft.com/office/drawing/2010/main" xmlns="" w="9525">
                     <a:solidFill>
                       <a:srgbClr val="000000"/>
                     </a:solidFill>
@@ -10158,7 +10159,7 @@
               </a:ln>
               <a:extLst>
                 <a:ext uri="{91240B29-F687-4f45-9708-019B960494DF}">
-                  <a14:hiddenLine xmlns="" xmlns:a14="http://schemas.microsoft.com/office/drawing/2010/main" w="9525">
+                  <a14:hiddenLine xmlns:a14="http://schemas.microsoft.com/office/drawing/2010/main" xmlns="" w="9525">
                     <a:solidFill>
                       <a:srgbClr val="000000"/>
                     </a:solidFill>
@@ -10192,7 +10193,7 @@
               </a:ln>
               <a:extLst>
                 <a:ext uri="{91240B29-F687-4f45-9708-019B960494DF}">
-                  <a14:hiddenLine xmlns="" xmlns:a14="http://schemas.microsoft.com/office/drawing/2010/main" w="9525">
+                  <a14:hiddenLine xmlns:a14="http://schemas.microsoft.com/office/drawing/2010/main" xmlns="" w="9525">
                     <a:solidFill>
                       <a:srgbClr val="000000"/>
                     </a:solidFill>
@@ -10257,7 +10258,7 @@
               </a:ln>
               <a:extLst>
                 <a:ext uri="{91240B29-F687-4f45-9708-019B960494DF}">
-                  <a14:hiddenLine xmlns="" xmlns:a14="http://schemas.microsoft.com/office/drawing/2010/main" w="9525">
+                  <a14:hiddenLine xmlns:a14="http://schemas.microsoft.com/office/drawing/2010/main" xmlns="" w="9525">
                     <a:solidFill>
                       <a:srgbClr val="000000"/>
                     </a:solidFill>
@@ -10347,7 +10348,7 @@
               </a:ln>
               <a:extLst>
                 <a:ext uri="{91240B29-F687-4f45-9708-019B960494DF}">
-                  <a14:hiddenLine xmlns="" xmlns:a14="http://schemas.microsoft.com/office/drawing/2010/main" w="9525">
+                  <a14:hiddenLine xmlns:a14="http://schemas.microsoft.com/office/drawing/2010/main" xmlns="" w="9525">
                     <a:solidFill>
                       <a:srgbClr val="000000"/>
                     </a:solidFill>
@@ -10409,7 +10410,7 @@
               </a:ln>
               <a:extLst>
                 <a:ext uri="{91240B29-F687-4f45-9708-019B960494DF}">
-                  <a14:hiddenLine xmlns="" xmlns:a14="http://schemas.microsoft.com/office/drawing/2010/main" w="9525">
+                  <a14:hiddenLine xmlns:a14="http://schemas.microsoft.com/office/drawing/2010/main" xmlns="" w="9525">
                     <a:solidFill>
                       <a:srgbClr val="000000"/>
                     </a:solidFill>
@@ -10499,7 +10500,7 @@
               </a:ln>
               <a:extLst>
                 <a:ext uri="{91240B29-F687-4f45-9708-019B960494DF}">
-                  <a14:hiddenLine xmlns="" xmlns:a14="http://schemas.microsoft.com/office/drawing/2010/main" w="9525">
+                  <a14:hiddenLine xmlns:a14="http://schemas.microsoft.com/office/drawing/2010/main" xmlns="" w="9525">
                     <a:solidFill>
                       <a:srgbClr val="000000"/>
                     </a:solidFill>
@@ -10564,7 +10565,7 @@
               </a:ln>
               <a:extLst>
                 <a:ext uri="{91240B29-F687-4f45-9708-019B960494DF}">
-                  <a14:hiddenLine xmlns="" xmlns:a14="http://schemas.microsoft.com/office/drawing/2010/main" w="9525">
+                  <a14:hiddenLine xmlns:a14="http://schemas.microsoft.com/office/drawing/2010/main" xmlns="" w="9525">
                     <a:solidFill>
                       <a:srgbClr val="000000"/>
                     </a:solidFill>
@@ -10626,7 +10627,7 @@
               </a:ln>
               <a:extLst>
                 <a:ext uri="{91240B29-F687-4f45-9708-019B960494DF}">
-                  <a14:hiddenLine xmlns="" xmlns:a14="http://schemas.microsoft.com/office/drawing/2010/main" w="9525">
+                  <a14:hiddenLine xmlns:a14="http://schemas.microsoft.com/office/drawing/2010/main" xmlns="" w="9525">
                     <a:solidFill>
                       <a:srgbClr val="000000"/>
                     </a:solidFill>
@@ -10716,7 +10717,7 @@
               </a:ln>
               <a:extLst>
                 <a:ext uri="{91240B29-F687-4f45-9708-019B960494DF}">
-                  <a14:hiddenLine xmlns="" xmlns:a14="http://schemas.microsoft.com/office/drawing/2010/main" w="9525">
+                  <a14:hiddenLine xmlns:a14="http://schemas.microsoft.com/office/drawing/2010/main" xmlns="" w="9525">
                     <a:solidFill>
                       <a:srgbClr val="000000"/>
                     </a:solidFill>
@@ -10806,7 +10807,7 @@
               </a:ln>
               <a:extLst>
                 <a:ext uri="{91240B29-F687-4f45-9708-019B960494DF}">
-                  <a14:hiddenLine xmlns="" xmlns:a14="http://schemas.microsoft.com/office/drawing/2010/main" w="9525">
+                  <a14:hiddenLine xmlns:a14="http://schemas.microsoft.com/office/drawing/2010/main" xmlns="" w="9525">
                     <a:solidFill>
                       <a:srgbClr val="000000"/>
                     </a:solidFill>
@@ -10871,7 +10872,7 @@
               </a:ln>
               <a:extLst>
                 <a:ext uri="{91240B29-F687-4f45-9708-019B960494DF}">
-                  <a14:hiddenLine xmlns="" xmlns:a14="http://schemas.microsoft.com/office/drawing/2010/main" w="9525">
+                  <a14:hiddenLine xmlns:a14="http://schemas.microsoft.com/office/drawing/2010/main" xmlns="" w="9525">
                     <a:solidFill>
                       <a:srgbClr val="000000"/>
                     </a:solidFill>
@@ -10991,7 +10992,7 @@
               </a:ln>
               <a:extLst>
                 <a:ext uri="{91240B29-F687-4f45-9708-019B960494DF}">
-                  <a14:hiddenLine xmlns="" xmlns:a14="http://schemas.microsoft.com/office/drawing/2010/main" w="9525">
+                  <a14:hiddenLine xmlns:a14="http://schemas.microsoft.com/office/drawing/2010/main" xmlns="" w="9525">
                     <a:solidFill>
                       <a:srgbClr val="000000"/>
                     </a:solidFill>
@@ -11089,7 +11090,7 @@
               </a:ln>
               <a:extLst>
                 <a:ext uri="{91240B29-F687-4f45-9708-019B960494DF}">
-                  <a14:hiddenLine xmlns="" xmlns:a14="http://schemas.microsoft.com/office/drawing/2010/main" w="9525">
+                  <a14:hiddenLine xmlns:a14="http://schemas.microsoft.com/office/drawing/2010/main" xmlns="" w="9525">
                     <a:solidFill>
                       <a:srgbClr val="000000"/>
                     </a:solidFill>
@@ -11204,7 +11205,7 @@
               </a:ln>
               <a:extLst>
                 <a:ext uri="{91240B29-F687-4f45-9708-019B960494DF}">
-                  <a14:hiddenLine xmlns="" xmlns:a14="http://schemas.microsoft.com/office/drawing/2010/main" w="9525">
+                  <a14:hiddenLine xmlns:a14="http://schemas.microsoft.com/office/drawing/2010/main" xmlns="" w="9525">
                     <a:solidFill>
                       <a:srgbClr val="000000"/>
                     </a:solidFill>
@@ -11294,7 +11295,7 @@
               </a:ln>
               <a:extLst>
                 <a:ext uri="{91240B29-F687-4f45-9708-019B960494DF}">
-                  <a14:hiddenLine xmlns="" xmlns:a14="http://schemas.microsoft.com/office/drawing/2010/main" w="9525">
+                  <a14:hiddenLine xmlns:a14="http://schemas.microsoft.com/office/drawing/2010/main" xmlns="" w="9525">
                     <a:solidFill>
                       <a:srgbClr val="000000"/>
                     </a:solidFill>
@@ -11359,7 +11360,7 @@
               </a:ln>
               <a:extLst>
                 <a:ext uri="{91240B29-F687-4f45-9708-019B960494DF}">
-                  <a14:hiddenLine xmlns="" xmlns:a14="http://schemas.microsoft.com/office/drawing/2010/main" w="9525">
+                  <a14:hiddenLine xmlns:a14="http://schemas.microsoft.com/office/drawing/2010/main" xmlns="" w="9525">
                     <a:solidFill>
                       <a:srgbClr val="000000"/>
                     </a:solidFill>
@@ -11449,7 +11450,7 @@
               </a:ln>
               <a:extLst>
                 <a:ext uri="{91240B29-F687-4f45-9708-019B960494DF}">
-                  <a14:hiddenLine xmlns="" xmlns:a14="http://schemas.microsoft.com/office/drawing/2010/main" w="9525">
+                  <a14:hiddenLine xmlns:a14="http://schemas.microsoft.com/office/drawing/2010/main" xmlns="" w="9525">
                     <a:solidFill>
                       <a:srgbClr val="000000"/>
                     </a:solidFill>
@@ -11517,7 +11518,7 @@
               </a:ln>
               <a:extLst>
                 <a:ext uri="{91240B29-F687-4f45-9708-019B960494DF}">
-                  <a14:hiddenLine xmlns="" xmlns:a14="http://schemas.microsoft.com/office/drawing/2010/main" w="9525">
+                  <a14:hiddenLine xmlns:a14="http://schemas.microsoft.com/office/drawing/2010/main" xmlns="" w="9525">
                     <a:solidFill>
                       <a:srgbClr val="000000"/>
                     </a:solidFill>
@@ -11607,7 +11608,7 @@
               </a:ln>
               <a:extLst>
                 <a:ext uri="{91240B29-F687-4f45-9708-019B960494DF}">
-                  <a14:hiddenLine xmlns="" xmlns:a14="http://schemas.microsoft.com/office/drawing/2010/main" w="9525">
+                  <a14:hiddenLine xmlns:a14="http://schemas.microsoft.com/office/drawing/2010/main" xmlns="" w="9525">
                     <a:solidFill>
                       <a:srgbClr val="000000"/>
                     </a:solidFill>
@@ -11675,7 +11676,7 @@
               </a:ln>
               <a:extLst>
                 <a:ext uri="{91240B29-F687-4f45-9708-019B960494DF}">
-                  <a14:hiddenLine xmlns="" xmlns:a14="http://schemas.microsoft.com/office/drawing/2010/main" w="9525">
+                  <a14:hiddenLine xmlns:a14="http://schemas.microsoft.com/office/drawing/2010/main" xmlns="" w="9525">
                     <a:solidFill>
                       <a:srgbClr val="000000"/>
                     </a:solidFill>
@@ -11765,7 +11766,7 @@
               </a:ln>
               <a:extLst>
                 <a:ext uri="{91240B29-F687-4f45-9708-019B960494DF}">
-                  <a14:hiddenLine xmlns="" xmlns:a14="http://schemas.microsoft.com/office/drawing/2010/main" w="9525">
+                  <a14:hiddenLine xmlns:a14="http://schemas.microsoft.com/office/drawing/2010/main" xmlns="" w="9525">
                     <a:solidFill>
                       <a:srgbClr val="000000"/>
                     </a:solidFill>
@@ -11799,7 +11800,7 @@
               </a:ln>
               <a:extLst>
                 <a:ext uri="{91240B29-F687-4f45-9708-019B960494DF}">
-                  <a14:hiddenLine xmlns="" xmlns:a14="http://schemas.microsoft.com/office/drawing/2010/main" w="9525">
+                  <a14:hiddenLine xmlns:a14="http://schemas.microsoft.com/office/drawing/2010/main" xmlns="" w="9525">
                     <a:solidFill>
                       <a:srgbClr val="000000"/>
                     </a:solidFill>
@@ -12514,13 +12515,22 @@
         </p:nvSpPr>
         <p:spPr/>
         <p:txBody>
-          <a:bodyPr/>
+          <a:bodyPr>
+            <a:normAutofit/>
+          </a:bodyPr>
           <a:lstStyle/>
+          <a:p>
+            <a:r>
+              <a:rPr lang="en-US" dirty="0" smtClean="0"/>
+              <a:t>Handouts</a:t>
+            </a:r>
+          </a:p>
           <a:p>
             <a:r>
               <a:rPr lang="en-US" dirty="0" smtClean="0"/>
               <a:t>Problem</a:t>
             </a:r>
+            <a:endParaRPr lang="en-US" dirty="0" smtClean="0"/>
           </a:p>
           <a:p>
             <a:r>
@@ -12541,8 +12551,19 @@
           <a:p>
             <a:r>
               <a:rPr lang="en-US" dirty="0" smtClean="0"/>
-              <a:t>Technology Rationale</a:t>
+              <a:t>Technology </a:t>
             </a:r>
+            <a:r>
+              <a:rPr lang="en-US" dirty="0" smtClean="0"/>
+              <a:t>Rationale</a:t>
+            </a:r>
+          </a:p>
+          <a:p>
+            <a:r>
+              <a:rPr lang="en-US" dirty="0" smtClean="0"/>
+              <a:t>Demo/Questions</a:t>
+            </a:r>
+            <a:endParaRPr lang="en-US" dirty="0" smtClean="0"/>
           </a:p>
           <a:p>
             <a:endParaRPr lang="en-US" dirty="0"/>
@@ -13029,6 +13050,99 @@
 </p:sld>
 </file>
 
+<file path=ppt/slides/slide7.xml><?xml version="1.0" encoding="utf-8"?>
+<p:sld xmlns:a="http://schemas.openxmlformats.org/drawingml/2006/main" xmlns:r="http://schemas.openxmlformats.org/officeDocument/2006/relationships" xmlns:p="http://schemas.openxmlformats.org/presentationml/2006/main">
+  <p:cSld>
+    <p:spTree>
+      <p:nvGrpSpPr>
+        <p:cNvPr id="1" name=""/>
+        <p:cNvGrpSpPr/>
+        <p:nvPr/>
+      </p:nvGrpSpPr>
+      <p:grpSpPr>
+        <a:xfrm>
+          <a:off x="0" y="0"/>
+          <a:ext cx="0" cy="0"/>
+          <a:chOff x="0" y="0"/>
+          <a:chExt cx="0" cy="0"/>
+        </a:xfrm>
+      </p:grpSpPr>
+      <p:sp>
+        <p:nvSpPr>
+          <p:cNvPr id="2" name="Title 1"/>
+          <p:cNvSpPr>
+            <a:spLocks noGrp="1"/>
+          </p:cNvSpPr>
+          <p:nvPr>
+            <p:ph type="title"/>
+            <p:custDataLst>
+              <p:tags r:id="rId1"/>
+            </p:custDataLst>
+          </p:nvPr>
+        </p:nvSpPr>
+        <p:spPr/>
+        <p:txBody>
+          <a:bodyPr/>
+          <a:lstStyle/>
+          <a:p>
+            <a:r>
+              <a:rPr lang="en-US" dirty="0" smtClean="0"/>
+              <a:t>Questions?</a:t>
+            </a:r>
+            <a:endParaRPr lang="en-US" dirty="0"/>
+          </a:p>
+        </p:txBody>
+      </p:sp>
+      <p:sp>
+        <p:nvSpPr>
+          <p:cNvPr id="3" name="Content Placeholder 2"/>
+          <p:cNvSpPr>
+            <a:spLocks noGrp="1"/>
+          </p:cNvSpPr>
+          <p:nvPr>
+            <p:ph idx="1"/>
+            <p:custDataLst>
+              <p:tags r:id="rId2"/>
+            </p:custDataLst>
+          </p:nvPr>
+        </p:nvSpPr>
+        <p:spPr/>
+        <p:txBody>
+          <a:bodyPr/>
+          <a:lstStyle/>
+          <a:p>
+            <a:r>
+              <a:rPr lang="en-US" dirty="0" smtClean="0"/>
+              <a:t>After answering all questions we will move to the demo and have additional </a:t>
+            </a:r>
+            <a:r>
+              <a:rPr lang="en-US" smtClean="0"/>
+              <a:t>questions afterwards. </a:t>
+            </a:r>
+            <a:endParaRPr lang="en-US" dirty="0"/>
+          </a:p>
+        </p:txBody>
+      </p:sp>
+    </p:spTree>
+    <p:extLst>
+      <p:ext uri="{BB962C8B-B14F-4D97-AF65-F5344CB8AC3E}">
+        <p14:creationId xmlns:p14="http://schemas.microsoft.com/office/powerpoint/2010/main" val="221879050"/>
+      </p:ext>
+    </p:extLst>
+  </p:cSld>
+  <p:clrMapOvr>
+    <a:masterClrMapping/>
+  </p:clrMapOvr>
+  <p:timing>
+    <p:tnLst>
+      <p:par>
+        <p:cTn id="1" dur="indefinite" restart="never" nodeType="tmRoot"/>
+      </p:par>
+    </p:tnLst>
+  </p:timing>
+</p:sld>
+</file>
+
 <file path=ppt/tags/tag1.xml><?xml version="1.0" encoding="utf-8"?>
 <p:tagLst xmlns:a="http://schemas.openxmlformats.org/drawingml/2006/main" xmlns:r="http://schemas.openxmlformats.org/officeDocument/2006/relationships" xmlns:p="http://schemas.openxmlformats.org/presentationml/2006/main">
   <p:tag name="_INSTRUCTOR VIEW19C14C36-AC8E-43BC-9DB6-C2AAF774C7DC|PANE__TAG" val="_"/>
@@ -13054,6 +13168,18 @@
 </file>
 
 <file path=ppt/tags/tag13.xml><?xml version="1.0" encoding="utf-8"?>
+<p:tagLst xmlns:a="http://schemas.openxmlformats.org/drawingml/2006/main" xmlns:r="http://schemas.openxmlformats.org/officeDocument/2006/relationships" xmlns:p="http://schemas.openxmlformats.org/presentationml/2006/main">
+  <p:tag name="_INSTRUCTOR VIEW19C14C36-AC8E-43BC-9DB6-C2AAF774C7DC|PANE__TAG" val="_"/>
+</p:tagLst>
+</file>
+
+<file path=ppt/tags/tag14.xml><?xml version="1.0" encoding="utf-8"?>
+<p:tagLst xmlns:a="http://schemas.openxmlformats.org/drawingml/2006/main" xmlns:r="http://schemas.openxmlformats.org/officeDocument/2006/relationships" xmlns:p="http://schemas.openxmlformats.org/presentationml/2006/main">
+  <p:tag name="_INSTRUCTOR VIEW19C14C36-AC8E-43BC-9DB6-C2AAF774C7DC|PANE__TAG" val="_"/>
+</p:tagLst>
+</file>
+
+<file path=ppt/tags/tag15.xml><?xml version="1.0" encoding="utf-8"?>
 <p:tagLst xmlns:a="http://schemas.openxmlformats.org/drawingml/2006/main" xmlns:r="http://schemas.openxmlformats.org/officeDocument/2006/relationships" xmlns:p="http://schemas.openxmlformats.org/presentationml/2006/main">
   <p:tag name="_INSTRUCTOR VIEW19C14C36-AC8E-43BC-9DB6-C2AAF774C7DC|PANE__TAG" val="_"/>
 </p:tagLst>
